--- a/Group 13 Powerpoint presentation2.pptx
+++ b/Group 13 Powerpoint presentation2.pptx
@@ -13,14 +13,13 @@
     <p:sldId id="259" r:id="rId7"/>
     <p:sldId id="260" r:id="rId8"/>
     <p:sldId id="261" r:id="rId9"/>
-    <p:sldId id="271" r:id="rId10"/>
-    <p:sldId id="262" r:id="rId11"/>
-    <p:sldId id="267" r:id="rId12"/>
-    <p:sldId id="269" r:id="rId13"/>
-    <p:sldId id="268" r:id="rId14"/>
-    <p:sldId id="272" r:id="rId15"/>
-    <p:sldId id="263" r:id="rId16"/>
-    <p:sldId id="264" r:id="rId17"/>
+    <p:sldId id="262" r:id="rId10"/>
+    <p:sldId id="267" r:id="rId11"/>
+    <p:sldId id="269" r:id="rId12"/>
+    <p:sldId id="268" r:id="rId13"/>
+    <p:sldId id="272" r:id="rId14"/>
+    <p:sldId id="263" r:id="rId15"/>
+    <p:sldId id="264" r:id="rId16"/>
   </p:sldIdLst>
   <p:sldSz cx="9144000" cy="6858000" type="screen4x3"/>
   <p:notesSz cx="6858000" cy="9144000"/>
@@ -249,7 +248,7 @@
             <a:fld id="{8B5E4873-88AF-4D2B-84B2-3AC7458A970F}" type="datetimeFigureOut">
               <a:rPr lang="en-GB" smtClean="0"/>
               <a:pPr/>
-              <a:t>27/02/2017</a:t>
+              <a:t>28/02/2017</a:t>
             </a:fld>
             <a:endParaRPr lang="en-GB"/>
           </a:p>
@@ -475,7 +474,7 @@
             <a:fld id="{8B5E4873-88AF-4D2B-84B2-3AC7458A970F}" type="datetimeFigureOut">
               <a:rPr lang="en-GB" smtClean="0"/>
               <a:pPr/>
-              <a:t>27/02/2017</a:t>
+              <a:t>28/02/2017</a:t>
             </a:fld>
             <a:endParaRPr lang="en-GB"/>
           </a:p>
@@ -651,7 +650,7 @@
             <a:fld id="{8B5E4873-88AF-4D2B-84B2-3AC7458A970F}" type="datetimeFigureOut">
               <a:rPr lang="en-GB" smtClean="0"/>
               <a:pPr/>
-              <a:t>27/02/2017</a:t>
+              <a:t>28/02/2017</a:t>
             </a:fld>
             <a:endParaRPr lang="en-GB"/>
           </a:p>
@@ -817,7 +816,7 @@
             <a:fld id="{8B5E4873-88AF-4D2B-84B2-3AC7458A970F}" type="datetimeFigureOut">
               <a:rPr lang="en-GB" smtClean="0"/>
               <a:pPr/>
-              <a:t>27/02/2017</a:t>
+              <a:t>28/02/2017</a:t>
             </a:fld>
             <a:endParaRPr lang="en-GB"/>
           </a:p>
@@ -1057,7 +1056,7 @@
             <a:fld id="{8B5E4873-88AF-4D2B-84B2-3AC7458A970F}" type="datetimeFigureOut">
               <a:rPr lang="en-GB" smtClean="0"/>
               <a:pPr/>
-              <a:t>27/02/2017</a:t>
+              <a:t>28/02/2017</a:t>
             </a:fld>
             <a:endParaRPr lang="en-GB"/>
           </a:p>
@@ -1322,7 +1321,7 @@
             <a:fld id="{8B5E4873-88AF-4D2B-84B2-3AC7458A970F}" type="datetimeFigureOut">
               <a:rPr lang="en-GB" smtClean="0"/>
               <a:pPr/>
-              <a:t>27/02/2017</a:t>
+              <a:t>28/02/2017</a:t>
             </a:fld>
             <a:endParaRPr lang="en-GB"/>
           </a:p>
@@ -1697,7 +1696,7 @@
             <a:fld id="{8B5E4873-88AF-4D2B-84B2-3AC7458A970F}" type="datetimeFigureOut">
               <a:rPr lang="en-GB" smtClean="0"/>
               <a:pPr/>
-              <a:t>27/02/2017</a:t>
+              <a:t>28/02/2017</a:t>
             </a:fld>
             <a:endParaRPr lang="en-GB"/>
           </a:p>
@@ -1811,7 +1810,7 @@
             <a:fld id="{8B5E4873-88AF-4D2B-84B2-3AC7458A970F}" type="datetimeFigureOut">
               <a:rPr lang="en-GB" smtClean="0"/>
               <a:pPr/>
-              <a:t>27/02/2017</a:t>
+              <a:t>28/02/2017</a:t>
             </a:fld>
             <a:endParaRPr lang="en-GB"/>
           </a:p>
@@ -1903,7 +1902,7 @@
             <a:fld id="{8B5E4873-88AF-4D2B-84B2-3AC7458A970F}" type="datetimeFigureOut">
               <a:rPr lang="en-GB" smtClean="0"/>
               <a:pPr/>
-              <a:t>27/02/2017</a:t>
+              <a:t>28/02/2017</a:t>
             </a:fld>
             <a:endParaRPr lang="en-GB"/>
           </a:p>
@@ -2162,7 +2161,7 @@
             <a:fld id="{8B5E4873-88AF-4D2B-84B2-3AC7458A970F}" type="datetimeFigureOut">
               <a:rPr lang="en-GB" smtClean="0"/>
               <a:pPr/>
-              <a:t>27/02/2017</a:t>
+              <a:t>28/02/2017</a:t>
             </a:fld>
             <a:endParaRPr lang="en-GB"/>
           </a:p>
@@ -2427,7 +2426,7 @@
             <a:fld id="{8B5E4873-88AF-4D2B-84B2-3AC7458A970F}" type="datetimeFigureOut">
               <a:rPr lang="en-GB" smtClean="0"/>
               <a:pPr/>
-              <a:t>27/02/2017</a:t>
+              <a:t>28/02/2017</a:t>
             </a:fld>
             <a:endParaRPr lang="en-GB"/>
           </a:p>
@@ -2644,7 +2643,7 @@
             <a:fld id="{8B5E4873-88AF-4D2B-84B2-3AC7458A970F}" type="datetimeFigureOut">
               <a:rPr lang="en-GB" smtClean="0"/>
               <a:pPr/>
-              <a:t>27/02/2017</a:t>
+              <a:t>28/02/2017</a:t>
             </a:fld>
             <a:endParaRPr lang="en-GB"/>
           </a:p>
@@ -3239,115 +3238,6 @@
         </p:nvSpPr>
         <p:spPr/>
         <p:txBody>
-          <a:bodyPr/>
-          <a:lstStyle/>
-          <a:p>
-            <a:r>
-              <a:rPr lang="en-GB" sz="5400" dirty="0"/>
-              <a:t>Theme</a:t>
-            </a:r>
-          </a:p>
-        </p:txBody>
-      </p:sp>
-      <p:sp>
-        <p:nvSpPr>
-          <p:cNvPr id="5" name="Content Placeholder 2"/>
-          <p:cNvSpPr>
-            <a:spLocks noGrp="1"/>
-          </p:cNvSpPr>
-          <p:nvPr>
-            <p:ph idx="1"/>
-          </p:nvPr>
-        </p:nvSpPr>
-        <p:spPr>
-          <a:xfrm>
-            <a:off x="457200" y="1340768"/>
-            <a:ext cx="8229600" cy="4968592"/>
-          </a:xfrm>
-        </p:spPr>
-        <p:txBody>
-          <a:bodyPr/>
-          <a:lstStyle/>
-          <a:p>
-            <a:r>
-              <a:rPr lang="en-GB" dirty="0">
-                <a:solidFill>
-                  <a:srgbClr val="FF0000"/>
-                </a:solidFill>
-                <a:latin typeface="+mj-lt"/>
-              </a:rPr>
-              <a:t>Bubbles and underwater scenes</a:t>
-            </a:r>
-          </a:p>
-          <a:p>
-            <a:r>
-              <a:rPr lang="en-GB" dirty="0">
-                <a:solidFill>
-                  <a:srgbClr val="FF0000"/>
-                </a:solidFill>
-                <a:latin typeface="+mj-lt"/>
-              </a:rPr>
-              <a:t>Solid Colours </a:t>
-            </a:r>
-          </a:p>
-          <a:p>
-            <a:endParaRPr lang="en-GB" dirty="0">
-              <a:latin typeface="+mj-lt"/>
-            </a:endParaRPr>
-          </a:p>
-          <a:p>
-            <a:endParaRPr lang="en-GB" dirty="0"/>
-          </a:p>
-          <a:p>
-            <a:pPr lvl="2"/>
-            <a:endParaRPr lang="en-GB" dirty="0"/>
-          </a:p>
-        </p:txBody>
-      </p:sp>
-    </p:spTree>
-  </p:cSld>
-  <p:clrMapOvr>
-    <a:masterClrMapping/>
-  </p:clrMapOvr>
-  <p:timing>
-    <p:tnLst>
-      <p:par>
-        <p:cTn id="1" dur="indefinite" restart="never" nodeType="tmRoot"/>
-      </p:par>
-    </p:tnLst>
-  </p:timing>
-</p:sld>
-</file>
-
-<file path=ppt/slides/slide11.xml><?xml version="1.0" encoding="utf-8"?>
-<p:sld xmlns:a="http://schemas.openxmlformats.org/drawingml/2006/main" xmlns:r="http://schemas.openxmlformats.org/officeDocument/2006/relationships" xmlns:p="http://schemas.openxmlformats.org/presentationml/2006/main">
-  <p:cSld>
-    <p:spTree>
-      <p:nvGrpSpPr>
-        <p:cNvPr id="1" name=""/>
-        <p:cNvGrpSpPr/>
-        <p:nvPr/>
-      </p:nvGrpSpPr>
-      <p:grpSpPr>
-        <a:xfrm>
-          <a:off x="0" y="0"/>
-          <a:ext cx="0" cy="0"/>
-          <a:chOff x="0" y="0"/>
-          <a:chExt cx="0" cy="0"/>
-        </a:xfrm>
-      </p:grpSpPr>
-      <p:sp>
-        <p:nvSpPr>
-          <p:cNvPr id="2" name="Title 1"/>
-          <p:cNvSpPr>
-            <a:spLocks noGrp="1"/>
-          </p:cNvSpPr>
-          <p:nvPr>
-            <p:ph type="title"/>
-          </p:nvPr>
-        </p:nvSpPr>
-        <p:spPr/>
-        <p:txBody>
           <a:bodyPr>
             <a:normAutofit fontScale="90000"/>
           </a:bodyPr>
@@ -3427,7 +3317,7 @@
 </p:sld>
 </file>
 
-<file path=ppt/slides/slide12.xml><?xml version="1.0" encoding="utf-8"?>
+<file path=ppt/slides/slide11.xml><?xml version="1.0" encoding="utf-8"?>
 <p:sld xmlns:a="http://schemas.openxmlformats.org/drawingml/2006/main" xmlns:r="http://schemas.openxmlformats.org/officeDocument/2006/relationships" xmlns:p="http://schemas.openxmlformats.org/presentationml/2006/main">
   <p:cSld>
     <p:spTree>
@@ -3518,7 +3408,7 @@
 </p:sld>
 </file>
 
-<file path=ppt/slides/slide13.xml><?xml version="1.0" encoding="utf-8"?>
+<file path=ppt/slides/slide12.xml><?xml version="1.0" encoding="utf-8"?>
 <p:sld xmlns:a="http://schemas.openxmlformats.org/drawingml/2006/main" xmlns:r="http://schemas.openxmlformats.org/officeDocument/2006/relationships" xmlns:p="http://schemas.openxmlformats.org/presentationml/2006/main">
   <p:cSld>
     <p:spTree>
@@ -3554,11 +3444,7 @@
           <a:p>
             <a:r>
               <a:rPr lang="en-GB" sz="5400" dirty="0" smtClean="0"/>
-              <a:t>Playtest </a:t>
-            </a:r>
-            <a:r>
-              <a:rPr lang="en-GB" sz="5400" dirty="0" smtClean="0"/>
-              <a:t>Feedback</a:t>
+              <a:t>Playtest Feedback</a:t>
             </a:r>
             <a:endParaRPr lang="en-US" sz="5400" dirty="0"/>
           </a:p>
@@ -3716,6 +3602,178 @@
 </p:sld>
 </file>
 
+<file path=ppt/slides/slide13.xml><?xml version="1.0" encoding="utf-8"?>
+<p:sld xmlns:a="http://schemas.openxmlformats.org/drawingml/2006/main" xmlns:r="http://schemas.openxmlformats.org/officeDocument/2006/relationships" xmlns:p="http://schemas.openxmlformats.org/presentationml/2006/main">
+  <p:cSld>
+    <p:spTree>
+      <p:nvGrpSpPr>
+        <p:cNvPr id="1" name=""/>
+        <p:cNvGrpSpPr/>
+        <p:nvPr/>
+      </p:nvGrpSpPr>
+      <p:grpSpPr>
+        <a:xfrm>
+          <a:off x="0" y="0"/>
+          <a:ext cx="0" cy="0"/>
+          <a:chOff x="0" y="0"/>
+          <a:chExt cx="0" cy="0"/>
+        </a:xfrm>
+      </p:grpSpPr>
+      <p:sp>
+        <p:nvSpPr>
+          <p:cNvPr id="2" name="Title 1"/>
+          <p:cNvSpPr>
+            <a:spLocks noGrp="1"/>
+          </p:cNvSpPr>
+          <p:nvPr>
+            <p:ph type="title"/>
+          </p:nvPr>
+        </p:nvSpPr>
+        <p:spPr>
+          <a:xfrm>
+            <a:off x="1564455" y="404664"/>
+            <a:ext cx="7086600" cy="720080"/>
+          </a:xfrm>
+        </p:spPr>
+        <p:txBody>
+          <a:bodyPr/>
+          <a:lstStyle/>
+          <a:p>
+            <a:pPr algn="ctr"/>
+            <a:r>
+              <a:rPr lang="en-GB" sz="5400" dirty="0" smtClean="0"/>
+              <a:t>Management</a:t>
+            </a:r>
+            <a:endParaRPr lang="en-US" sz="5400" dirty="0"/>
+          </a:p>
+        </p:txBody>
+      </p:sp>
+      <p:sp>
+        <p:nvSpPr>
+          <p:cNvPr id="3" name="Text Placeholder 2"/>
+          <p:cNvSpPr>
+            <a:spLocks noGrp="1"/>
+          </p:cNvSpPr>
+          <p:nvPr>
+            <p:ph type="body" idx="1"/>
+          </p:nvPr>
+        </p:nvSpPr>
+        <p:spPr>
+          <a:xfrm>
+            <a:off x="1600200" y="908720"/>
+            <a:ext cx="7086600" cy="5760640"/>
+          </a:xfrm>
+        </p:spPr>
+        <p:txBody>
+          <a:bodyPr/>
+          <a:lstStyle/>
+          <a:p>
+            <a:endParaRPr lang="en-GB" dirty="0" smtClean="0">
+              <a:latin typeface="+mj-lt"/>
+            </a:endParaRPr>
+          </a:p>
+          <a:p>
+            <a:r>
+              <a:rPr lang="en-GB" dirty="0" smtClean="0">
+                <a:latin typeface="+mj-lt"/>
+              </a:rPr>
+              <a:t>Emails:</a:t>
+            </a:r>
+          </a:p>
+          <a:p>
+            <a:endParaRPr lang="en-GB" dirty="0" smtClean="0">
+              <a:latin typeface="+mj-lt"/>
+            </a:endParaRPr>
+          </a:p>
+          <a:p>
+            <a:r>
+              <a:rPr lang="en-GB" dirty="0" smtClean="0">
+                <a:latin typeface="+mj-lt"/>
+              </a:rPr>
+              <a:t>George: 31</a:t>
+            </a:r>
+          </a:p>
+          <a:p>
+            <a:r>
+              <a:rPr lang="en-GB" dirty="0" smtClean="0">
+                <a:latin typeface="+mj-lt"/>
+              </a:rPr>
+              <a:t>Heidi: 34</a:t>
+            </a:r>
+          </a:p>
+          <a:p>
+            <a:r>
+              <a:rPr lang="en-GB" dirty="0" smtClean="0">
+                <a:latin typeface="+mj-lt"/>
+              </a:rPr>
+              <a:t>Macaulay: 5</a:t>
+            </a:r>
+          </a:p>
+          <a:p>
+            <a:endParaRPr lang="en-GB" dirty="0">
+              <a:latin typeface="+mj-lt"/>
+            </a:endParaRPr>
+          </a:p>
+          <a:p>
+            <a:endParaRPr lang="en-GB" dirty="0" smtClean="0">
+              <a:latin typeface="+mj-lt"/>
+            </a:endParaRPr>
+          </a:p>
+          <a:p>
+            <a:r>
+              <a:rPr lang="en-GB" dirty="0" smtClean="0">
+                <a:latin typeface="+mj-lt"/>
+              </a:rPr>
+              <a:t>Hours logged:</a:t>
+            </a:r>
+          </a:p>
+          <a:p>
+            <a:endParaRPr lang="en-GB" dirty="0" smtClean="0">
+              <a:latin typeface="+mj-lt"/>
+            </a:endParaRPr>
+          </a:p>
+          <a:p>
+            <a:r>
+              <a:rPr lang="en-GB" dirty="0" smtClean="0">
+                <a:latin typeface="+mj-lt"/>
+              </a:rPr>
+              <a:t>George: </a:t>
+            </a:r>
+          </a:p>
+          <a:p>
+            <a:r>
+              <a:rPr lang="en-GB" dirty="0" smtClean="0">
+                <a:latin typeface="+mj-lt"/>
+              </a:rPr>
+              <a:t>Heidi:</a:t>
+            </a:r>
+          </a:p>
+          <a:p>
+            <a:r>
+              <a:rPr lang="en-GB" dirty="0" smtClean="0">
+                <a:latin typeface="+mj-lt"/>
+              </a:rPr>
+              <a:t>Macaulay:</a:t>
+            </a:r>
+            <a:endParaRPr lang="en-US" dirty="0">
+              <a:latin typeface="+mj-lt"/>
+            </a:endParaRPr>
+          </a:p>
+        </p:txBody>
+      </p:sp>
+    </p:spTree>
+    <p:extLst>
+      <p:ext uri="{BB962C8B-B14F-4D97-AF65-F5344CB8AC3E}">
+        <p14:creationId xmlns:p14="http://schemas.microsoft.com/office/powerpoint/2010/main" val="3099374180"/>
+      </p:ext>
+    </p:extLst>
+  </p:cSld>
+  <p:clrMapOvr>
+    <a:masterClrMapping/>
+  </p:clrMapOvr>
+</p:sld>
+</file>
+
 <file path=ppt/slides/slide14.xml><?xml version="1.0" encoding="utf-8"?>
 <p:sld xmlns:a="http://schemas.openxmlformats.org/drawingml/2006/main" xmlns:r="http://schemas.openxmlformats.org/officeDocument/2006/relationships" xmlns:p="http://schemas.openxmlformats.org/presentationml/2006/main">
   <p:cSld>
@@ -3743,178 +3801,6 @@
             <p:ph type="title"/>
           </p:nvPr>
         </p:nvSpPr>
-        <p:spPr>
-          <a:xfrm>
-            <a:off x="1564455" y="404664"/>
-            <a:ext cx="7086600" cy="720080"/>
-          </a:xfrm>
-        </p:spPr>
-        <p:txBody>
-          <a:bodyPr/>
-          <a:lstStyle/>
-          <a:p>
-            <a:pPr algn="ctr"/>
-            <a:r>
-              <a:rPr lang="en-GB" sz="5400" dirty="0" smtClean="0"/>
-              <a:t>Management</a:t>
-            </a:r>
-            <a:endParaRPr lang="en-US" sz="5400" dirty="0"/>
-          </a:p>
-        </p:txBody>
-      </p:sp>
-      <p:sp>
-        <p:nvSpPr>
-          <p:cNvPr id="3" name="Text Placeholder 2"/>
-          <p:cNvSpPr>
-            <a:spLocks noGrp="1"/>
-          </p:cNvSpPr>
-          <p:nvPr>
-            <p:ph type="body" idx="1"/>
-          </p:nvPr>
-        </p:nvSpPr>
-        <p:spPr>
-          <a:xfrm>
-            <a:off x="1600200" y="908720"/>
-            <a:ext cx="7086600" cy="5760640"/>
-          </a:xfrm>
-        </p:spPr>
-        <p:txBody>
-          <a:bodyPr/>
-          <a:lstStyle/>
-          <a:p>
-            <a:endParaRPr lang="en-GB" dirty="0" smtClean="0">
-              <a:latin typeface="+mj-lt"/>
-            </a:endParaRPr>
-          </a:p>
-          <a:p>
-            <a:r>
-              <a:rPr lang="en-GB" dirty="0" smtClean="0">
-                <a:latin typeface="+mj-lt"/>
-              </a:rPr>
-              <a:t>Emails:</a:t>
-            </a:r>
-          </a:p>
-          <a:p>
-            <a:endParaRPr lang="en-GB" dirty="0" smtClean="0">
-              <a:latin typeface="+mj-lt"/>
-            </a:endParaRPr>
-          </a:p>
-          <a:p>
-            <a:r>
-              <a:rPr lang="en-GB" dirty="0" smtClean="0">
-                <a:latin typeface="+mj-lt"/>
-              </a:rPr>
-              <a:t>George: 31</a:t>
-            </a:r>
-          </a:p>
-          <a:p>
-            <a:r>
-              <a:rPr lang="en-GB" dirty="0" smtClean="0">
-                <a:latin typeface="+mj-lt"/>
-              </a:rPr>
-              <a:t>Heidi: 34</a:t>
-            </a:r>
-          </a:p>
-          <a:p>
-            <a:r>
-              <a:rPr lang="en-GB" dirty="0" smtClean="0">
-                <a:latin typeface="+mj-lt"/>
-              </a:rPr>
-              <a:t>Macaulay: 5</a:t>
-            </a:r>
-          </a:p>
-          <a:p>
-            <a:endParaRPr lang="en-GB" dirty="0">
-              <a:latin typeface="+mj-lt"/>
-            </a:endParaRPr>
-          </a:p>
-          <a:p>
-            <a:endParaRPr lang="en-GB" dirty="0" smtClean="0">
-              <a:latin typeface="+mj-lt"/>
-            </a:endParaRPr>
-          </a:p>
-          <a:p>
-            <a:r>
-              <a:rPr lang="en-GB" dirty="0" smtClean="0">
-                <a:latin typeface="+mj-lt"/>
-              </a:rPr>
-              <a:t>Hours logged:</a:t>
-            </a:r>
-          </a:p>
-          <a:p>
-            <a:endParaRPr lang="en-GB" dirty="0" smtClean="0">
-              <a:latin typeface="+mj-lt"/>
-            </a:endParaRPr>
-          </a:p>
-          <a:p>
-            <a:r>
-              <a:rPr lang="en-GB" dirty="0" smtClean="0">
-                <a:latin typeface="+mj-lt"/>
-              </a:rPr>
-              <a:t>George: </a:t>
-            </a:r>
-          </a:p>
-          <a:p>
-            <a:r>
-              <a:rPr lang="en-GB" dirty="0" smtClean="0">
-                <a:latin typeface="+mj-lt"/>
-              </a:rPr>
-              <a:t>Heidi:</a:t>
-            </a:r>
-          </a:p>
-          <a:p>
-            <a:r>
-              <a:rPr lang="en-GB" dirty="0" smtClean="0">
-                <a:latin typeface="+mj-lt"/>
-              </a:rPr>
-              <a:t>Macaulay:</a:t>
-            </a:r>
-            <a:endParaRPr lang="en-US" dirty="0">
-              <a:latin typeface="+mj-lt"/>
-            </a:endParaRPr>
-          </a:p>
-        </p:txBody>
-      </p:sp>
-    </p:spTree>
-    <p:extLst>
-      <p:ext uri="{BB962C8B-B14F-4D97-AF65-F5344CB8AC3E}">
-        <p14:creationId xmlns:p14="http://schemas.microsoft.com/office/powerpoint/2010/main" val="3099374180"/>
-      </p:ext>
-    </p:extLst>
-  </p:cSld>
-  <p:clrMapOvr>
-    <a:masterClrMapping/>
-  </p:clrMapOvr>
-</p:sld>
-</file>
-
-<file path=ppt/slides/slide15.xml><?xml version="1.0" encoding="utf-8"?>
-<p:sld xmlns:a="http://schemas.openxmlformats.org/drawingml/2006/main" xmlns:r="http://schemas.openxmlformats.org/officeDocument/2006/relationships" xmlns:p="http://schemas.openxmlformats.org/presentationml/2006/main">
-  <p:cSld>
-    <p:spTree>
-      <p:nvGrpSpPr>
-        <p:cNvPr id="1" name=""/>
-        <p:cNvGrpSpPr/>
-        <p:nvPr/>
-      </p:nvGrpSpPr>
-      <p:grpSpPr>
-        <a:xfrm>
-          <a:off x="0" y="0"/>
-          <a:ext cx="0" cy="0"/>
-          <a:chOff x="0" y="0"/>
-          <a:chExt cx="0" cy="0"/>
-        </a:xfrm>
-      </p:grpSpPr>
-      <p:sp>
-        <p:nvSpPr>
-          <p:cNvPr id="2" name="Title 1"/>
-          <p:cNvSpPr>
-            <a:spLocks noGrp="1"/>
-          </p:cNvSpPr>
-          <p:nvPr>
-            <p:ph type="title"/>
-          </p:nvPr>
-        </p:nvSpPr>
         <p:spPr/>
         <p:txBody>
           <a:bodyPr/>
@@ -3956,10 +3842,10 @@
               </a:lnSpc>
             </a:pPr>
             <a:r>
-              <a:rPr lang="en-GB" dirty="0">
-                <a:latin typeface="+mj-lt"/>
-              </a:rPr>
-              <a:t>Finalise Art Style	</a:t>
+              <a:rPr lang="en-GB" dirty="0" smtClean="0">
+                <a:latin typeface="+mj-lt"/>
+              </a:rPr>
+              <a:t>Finalising mechanics</a:t>
             </a:r>
           </a:p>
           <a:p>
@@ -3969,22 +3855,24 @@
               </a:lnSpc>
             </a:pPr>
             <a:r>
-              <a:rPr lang="en-GB" dirty="0">
-                <a:latin typeface="+mj-lt"/>
-              </a:rPr>
-              <a:t>Assurances/Feedback</a:t>
-            </a:r>
-          </a:p>
-          <a:p>
-            <a:pPr marL="585216" lvl="1" indent="0">
+              <a:rPr lang="en-GB" dirty="0" smtClean="0">
+                <a:latin typeface="+mj-lt"/>
+              </a:rPr>
+              <a:t>Playtesting to balance</a:t>
+            </a:r>
+          </a:p>
+          <a:p>
+            <a:pPr lvl="1">
               <a:lnSpc>
                 <a:spcPct val="150000"/>
               </a:lnSpc>
-              <a:buNone/>
             </a:pPr>
-            <a:endParaRPr lang="en-GB" sz="1200" dirty="0">
-              <a:latin typeface="+mj-lt"/>
-            </a:endParaRPr>
+            <a:r>
+              <a:rPr lang="en-GB" dirty="0" smtClean="0">
+                <a:latin typeface="+mj-lt"/>
+              </a:rPr>
+              <a:t>Playtest to see if mechanics are evoking emotional responses</a:t>
+            </a:r>
           </a:p>
           <a:p>
             <a:pPr>
@@ -3992,36 +3880,9 @@
                 <a:spcPct val="150000"/>
               </a:lnSpc>
             </a:pPr>
-            <a:r>
-              <a:rPr lang="en-GB" dirty="0">
-                <a:latin typeface="+mj-lt"/>
-              </a:rPr>
-              <a:t>Prototype </a:t>
-            </a:r>
-            <a:r>
-              <a:rPr lang="en-GB" dirty="0" smtClean="0">
-                <a:latin typeface="+mj-lt"/>
-              </a:rPr>
-              <a:t>the rest </a:t>
-            </a:r>
-            <a:r>
-              <a:rPr lang="en-GB" dirty="0">
-                <a:latin typeface="+mj-lt"/>
-              </a:rPr>
-              <a:t>of </a:t>
-            </a:r>
-            <a:r>
-              <a:rPr lang="en-GB" dirty="0" smtClean="0">
-                <a:latin typeface="+mj-lt"/>
-              </a:rPr>
-              <a:t>the mechanics from our </a:t>
-            </a:r>
-            <a:r>
-              <a:rPr lang="en-GB" dirty="0">
-                <a:latin typeface="+mj-lt"/>
-              </a:rPr>
-              <a:t>concepts</a:t>
-            </a:r>
+            <a:endParaRPr lang="en-GB" dirty="0" smtClean="0">
+              <a:latin typeface="+mj-lt"/>
+            </a:endParaRPr>
           </a:p>
           <a:p>
             <a:pPr>
@@ -4069,7 +3930,7 @@
 </p:sld>
 </file>
 
-<file path=ppt/slides/slide16.xml><?xml version="1.0" encoding="utf-8"?>
+<file path=ppt/slides/slide15.xml><?xml version="1.0" encoding="utf-8"?>
 <p:sld xmlns:a="http://schemas.openxmlformats.org/drawingml/2006/main" xmlns:r="http://schemas.openxmlformats.org/officeDocument/2006/relationships" xmlns:p="http://schemas.openxmlformats.org/presentationml/2006/main">
   <p:cSld>
     <p:spTree>
@@ -4490,9 +4351,10 @@
           <a:lstStyle/>
           <a:p>
             <a:r>
-              <a:rPr lang="en-GB" sz="5400" dirty="0"/>
-              <a:t>Mechanics</a:t>
-            </a:r>
+              <a:rPr lang="en-GB" sz="5400" dirty="0" smtClean="0"/>
+              <a:t>Mechanics and Assets</a:t>
+            </a:r>
+            <a:endParaRPr lang="en-GB" sz="5400" dirty="0"/>
           </a:p>
         </p:txBody>
       </p:sp>
@@ -4509,7 +4371,7 @@
         <p:spPr>
           <a:xfrm>
             <a:off x="0" y="1148985"/>
-            <a:ext cx="9144000" cy="5661248"/>
+            <a:ext cx="9144000" cy="2640054"/>
           </a:xfrm>
         </p:spPr>
         <p:txBody>
@@ -4517,6 +4379,55 @@
             <a:normAutofit fontScale="25000" lnSpcReduction="20000"/>
           </a:bodyPr>
           <a:lstStyle/>
+          <a:p>
+            <a:pPr marL="265176" indent="0">
+              <a:buNone/>
+            </a:pPr>
+            <a:endParaRPr lang="en-GB" sz="11100" dirty="0" smtClean="0">
+              <a:latin typeface="+mj-lt"/>
+            </a:endParaRPr>
+          </a:p>
+          <a:p>
+            <a:pPr marL="265176" indent="0">
+              <a:buNone/>
+            </a:pPr>
+            <a:r>
+              <a:rPr lang="en-GB" sz="11100" dirty="0" smtClean="0">
+                <a:latin typeface="+mj-lt"/>
+              </a:rPr>
+              <a:t>Game Play</a:t>
+            </a:r>
+            <a:endParaRPr lang="en-GB" sz="11100" dirty="0">
+              <a:latin typeface="+mj-lt"/>
+            </a:endParaRPr>
+          </a:p>
+          <a:p>
+            <a:r>
+              <a:rPr lang="en-GB" sz="9800" dirty="0" smtClean="0">
+                <a:latin typeface="+mj-lt"/>
+              </a:rPr>
+              <a:t>Scoring</a:t>
+            </a:r>
+          </a:p>
+          <a:p>
+            <a:r>
+              <a:rPr lang="en-GB" sz="9800" dirty="0" smtClean="0">
+                <a:latin typeface="+mj-lt"/>
+              </a:rPr>
+              <a:t>Eating/Absorbing</a:t>
+            </a:r>
+            <a:endParaRPr lang="en-GB" sz="9800" dirty="0">
+              <a:latin typeface="+mj-lt"/>
+            </a:endParaRPr>
+          </a:p>
+          <a:p>
+            <a:r>
+              <a:rPr lang="en-GB" sz="9800" dirty="0" smtClean="0">
+                <a:latin typeface="+mj-lt"/>
+              </a:rPr>
+              <a:t>Strategizing </a:t>
+            </a:r>
+          </a:p>
           <a:p>
             <a:pPr marL="265176" indent="0">
               <a:buNone/>
@@ -4529,66 +4440,6 @@
             <a:pPr marL="265176" indent="0">
               <a:buNone/>
             </a:pPr>
-            <a:endParaRPr lang="en-GB" sz="11100" dirty="0" smtClean="0">
-              <a:latin typeface="+mj-lt"/>
-            </a:endParaRPr>
-          </a:p>
-          <a:p>
-            <a:pPr marL="265176" indent="0">
-              <a:buNone/>
-            </a:pPr>
-            <a:r>
-              <a:rPr lang="en-GB" sz="11100" dirty="0" smtClean="0">
-                <a:latin typeface="+mj-lt"/>
-              </a:rPr>
-              <a:t>Game Play</a:t>
-            </a:r>
-            <a:endParaRPr lang="en-GB" sz="11100" dirty="0">
-              <a:latin typeface="+mj-lt"/>
-            </a:endParaRPr>
-          </a:p>
-          <a:p>
-            <a:r>
-              <a:rPr lang="en-GB" sz="9800" dirty="0" smtClean="0">
-                <a:latin typeface="+mj-lt"/>
-              </a:rPr>
-              <a:t>Scoring</a:t>
-            </a:r>
-            <a:endParaRPr lang="en-GB" sz="9800" dirty="0" smtClean="0">
-              <a:latin typeface="+mj-lt"/>
-            </a:endParaRPr>
-          </a:p>
-          <a:p>
-            <a:r>
-              <a:rPr lang="en-GB" sz="9800" dirty="0" smtClean="0">
-                <a:latin typeface="+mj-lt"/>
-              </a:rPr>
-              <a:t>Eating/Absorbing</a:t>
-            </a:r>
-            <a:endParaRPr lang="en-GB" sz="9800" dirty="0">
-              <a:latin typeface="+mj-lt"/>
-            </a:endParaRPr>
-          </a:p>
-          <a:p>
-            <a:r>
-              <a:rPr lang="en-GB" sz="9800" dirty="0" smtClean="0">
-                <a:latin typeface="+mj-lt"/>
-              </a:rPr>
-              <a:t>Strategizing </a:t>
-            </a:r>
-          </a:p>
-          <a:p>
-            <a:pPr marL="265176" indent="0">
-              <a:buNone/>
-            </a:pPr>
-            <a:endParaRPr lang="en-GB" sz="9800" dirty="0">
-              <a:latin typeface="+mj-lt"/>
-            </a:endParaRPr>
-          </a:p>
-          <a:p>
-            <a:pPr marL="265176" indent="0">
-              <a:buNone/>
-            </a:pPr>
             <a:endParaRPr lang="en-GB" sz="9800" dirty="0">
               <a:latin typeface="+mj-lt"/>
             </a:endParaRPr>
@@ -4610,46 +4461,6 @@
             </a:endParaRPr>
           </a:p>
           <a:p>
-            <a:pPr marL="265176" indent="0">
-              <a:buNone/>
-            </a:pPr>
-            <a:endParaRPr lang="en-GB" sz="11100" dirty="0" smtClean="0">
-              <a:latin typeface="+mj-lt"/>
-            </a:endParaRPr>
-          </a:p>
-          <a:p>
-            <a:pPr marL="265176" indent="0">
-              <a:buNone/>
-            </a:pPr>
-            <a:endParaRPr lang="en-GB" sz="11100" dirty="0">
-              <a:latin typeface="+mj-lt"/>
-            </a:endParaRPr>
-          </a:p>
-          <a:p>
-            <a:pPr marL="265176" indent="0">
-              <a:buNone/>
-            </a:pPr>
-            <a:endParaRPr lang="en-GB" sz="11100" dirty="0" smtClean="0">
-              <a:latin typeface="+mj-lt"/>
-            </a:endParaRPr>
-          </a:p>
-          <a:p>
-            <a:pPr marL="265176" indent="0">
-              <a:buNone/>
-            </a:pPr>
-            <a:endParaRPr lang="en-GB" sz="11100" dirty="0">
-              <a:latin typeface="+mj-lt"/>
-            </a:endParaRPr>
-          </a:p>
-          <a:p>
-            <a:pPr marL="585216" lvl="1" indent="0">
-              <a:buNone/>
-            </a:pPr>
-            <a:endParaRPr lang="en-GB" sz="9800" dirty="0" smtClean="0">
-              <a:latin typeface="+mj-lt"/>
-            </a:endParaRPr>
-          </a:p>
-          <a:p>
             <a:pPr marL="137160" indent="0">
               <a:buNone/>
             </a:pPr>
@@ -4666,11 +4477,23 @@
           <a:p>
             <a:pPr lvl="1"/>
             <a:r>
-              <a:rPr lang="en-GB" sz="9800" dirty="0">
+              <a:rPr lang="en-GB" sz="9800" dirty="0" smtClean="0">
                 <a:latin typeface="+mj-lt"/>
               </a:rPr>
               <a:t>Branches</a:t>
             </a:r>
+          </a:p>
+          <a:p>
+            <a:pPr lvl="1"/>
+            <a:r>
+              <a:rPr lang="en-GB" sz="9800" dirty="0" smtClean="0">
+                <a:latin typeface="+mj-lt"/>
+              </a:rPr>
+              <a:t>Fish/ Urchins</a:t>
+            </a:r>
+            <a:endParaRPr lang="en-GB" sz="9800" dirty="0">
+              <a:latin typeface="+mj-lt"/>
+            </a:endParaRPr>
           </a:p>
           <a:p>
             <a:pPr marL="585216" lvl="1" indent="0">
@@ -4778,7 +4601,7 @@
           </p:cNvPicPr>
           <p:nvPr/>
         </p:nvPicPr>
-        <p:blipFill>
+        <p:blipFill rotWithShape="1">
           <a:blip r:embed="rId2">
             <a:extLst>
               <a:ext uri="{28A0092B-C50C-407E-A947-70E740481C1C}">
@@ -4786,14 +4609,13 @@
               </a:ext>
             </a:extLst>
           </a:blip>
-          <a:stretch>
-            <a:fillRect/>
-          </a:stretch>
+          <a:srcRect l="13241" t="15079" r="10213" b="15461"/>
+          <a:stretch/>
         </p:blipFill>
         <p:spPr>
           <a:xfrm>
-            <a:off x="2090711" y="3501008"/>
-            <a:ext cx="2728070" cy="2073333"/>
+            <a:off x="1349896" y="4845841"/>
+            <a:ext cx="2088232" cy="1440161"/>
           </a:xfrm>
           <a:prstGeom prst="rect">
             <a:avLst/>
@@ -4808,7 +4630,7 @@
           </p:cNvPicPr>
           <p:nvPr/>
         </p:nvPicPr>
-        <p:blipFill>
+        <p:blipFill rotWithShape="1">
           <a:blip r:embed="rId3" cstate="print">
             <a:extLst>
               <a:ext uri="{28A0092B-C50C-407E-A947-70E740481C1C}">
@@ -4816,14 +4638,13 @@
               </a:ext>
             </a:extLst>
           </a:blip>
-          <a:stretch>
-            <a:fillRect/>
-          </a:stretch>
+          <a:srcRect l="10953" t="11129" r="9814" b="9639"/>
+          <a:stretch/>
         </p:blipFill>
         <p:spPr>
           <a:xfrm>
-            <a:off x="6657261" y="4574648"/>
-            <a:ext cx="1999385" cy="1999385"/>
+            <a:off x="6876256" y="4797153"/>
+            <a:ext cx="1584176" cy="1584176"/>
           </a:xfrm>
           <a:prstGeom prst="rect">
             <a:avLst/>
@@ -4851,7 +4672,7 @@
         </p:blipFill>
         <p:spPr>
           <a:xfrm>
-            <a:off x="3790148" y="4845841"/>
+            <a:off x="3830291" y="4725145"/>
             <a:ext cx="2653802" cy="1728192"/>
           </a:xfrm>
           <a:prstGeom prst="rect">
@@ -4880,8 +4701,95 @@
         </p:blipFill>
         <p:spPr>
           <a:xfrm>
-            <a:off x="714795" y="4221088"/>
+            <a:off x="-59037" y="3983126"/>
             <a:ext cx="1408933" cy="1944216"/>
+          </a:xfrm>
+          <a:prstGeom prst="rect">
+            <a:avLst/>
+          </a:prstGeom>
+        </p:spPr>
+      </p:pic>
+      <p:pic>
+        <p:nvPicPr>
+          <p:cNvPr id="5" name="Picture 4"/>
+          <p:cNvPicPr>
+            <a:picLocks noChangeAspect="1"/>
+          </p:cNvPicPr>
+          <p:nvPr/>
+        </p:nvPicPr>
+        <p:blipFill rotWithShape="1">
+          <a:blip r:embed="rId6" cstate="print">
+            <a:extLst>
+              <a:ext uri="{28A0092B-C50C-407E-A947-70E740481C1C}">
+                <a14:useLocalDpi xmlns:a14="http://schemas.microsoft.com/office/drawing/2010/main" val="0"/>
+              </a:ext>
+            </a:extLst>
+          </a:blip>
+          <a:srcRect l="12281" t="14721" r="15092" b="12653"/>
+          <a:stretch/>
+        </p:blipFill>
+        <p:spPr>
+          <a:xfrm>
+            <a:off x="5580112" y="2805272"/>
+            <a:ext cx="1512168" cy="1512168"/>
+          </a:xfrm>
+          <a:prstGeom prst="rect">
+            <a:avLst/>
+          </a:prstGeom>
+        </p:spPr>
+      </p:pic>
+      <p:pic>
+        <p:nvPicPr>
+          <p:cNvPr id="7" name="Picture 6"/>
+          <p:cNvPicPr>
+            <a:picLocks noChangeAspect="1"/>
+          </p:cNvPicPr>
+          <p:nvPr/>
+        </p:nvPicPr>
+        <p:blipFill rotWithShape="1">
+          <a:blip r:embed="rId7" cstate="print">
+            <a:extLst>
+              <a:ext uri="{28A0092B-C50C-407E-A947-70E740481C1C}">
+                <a14:useLocalDpi xmlns:a14="http://schemas.microsoft.com/office/drawing/2010/main" val="0"/>
+              </a:ext>
+            </a:extLst>
+          </a:blip>
+          <a:srcRect l="19115" t="20145" r="21271" b="17402"/>
+          <a:stretch/>
+        </p:blipFill>
+        <p:spPr>
+          <a:xfrm>
+            <a:off x="7092280" y="2769267"/>
+            <a:ext cx="1512168" cy="1584177"/>
+          </a:xfrm>
+          <a:prstGeom prst="rect">
+            <a:avLst/>
+          </a:prstGeom>
+        </p:spPr>
+      </p:pic>
+      <p:pic>
+        <p:nvPicPr>
+          <p:cNvPr id="8" name="Picture 7"/>
+          <p:cNvPicPr>
+            <a:picLocks noChangeAspect="1"/>
+          </p:cNvPicPr>
+          <p:nvPr/>
+        </p:nvPicPr>
+        <p:blipFill rotWithShape="1">
+          <a:blip r:embed="rId8" cstate="print">
+            <a:extLst>
+              <a:ext uri="{28A0092B-C50C-407E-A947-70E740481C1C}">
+                <a14:useLocalDpi xmlns:a14="http://schemas.microsoft.com/office/drawing/2010/main" val="0"/>
+              </a:ext>
+            </a:extLst>
+          </a:blip>
+          <a:srcRect l="40577" t="30707" b="38750"/>
+          <a:stretch/>
+        </p:blipFill>
+        <p:spPr>
+          <a:xfrm>
+            <a:off x="1465736" y="3296530"/>
+            <a:ext cx="1783244" cy="1296145"/>
           </a:xfrm>
           <a:prstGeom prst="rect">
             <a:avLst/>
@@ -5154,110 +5062,61 @@
           <a:p>
             <a:r>
               <a:rPr lang="en-GB" sz="3200" dirty="0" smtClean="0">
-                <a:solidFill>
-                  <a:srgbClr val="FF0000"/>
-                </a:solidFill>
-                <a:latin typeface="+mj-lt"/>
-              </a:rPr>
-              <a:t>Buoyancy: physics drives the game.</a:t>
-            </a:r>
-          </a:p>
-          <a:p>
-            <a:endParaRPr lang="en-GB" sz="2000" dirty="0">
-              <a:solidFill>
-                <a:srgbClr val="FF0000"/>
-              </a:solidFill>
+                <a:latin typeface="+mj-lt"/>
+              </a:rPr>
+              <a:t>Buoyancy</a:t>
+            </a:r>
+            <a:endParaRPr lang="en-GB" sz="3200" dirty="0">
               <a:latin typeface="+mj-lt"/>
             </a:endParaRPr>
           </a:p>
           <a:p>
-            <a:pPr lvl="1"/>
-            <a:r>
-              <a:rPr lang="en-GB" sz="2800" dirty="0">
-                <a:solidFill>
-                  <a:srgbClr val="FF0000"/>
-                </a:solidFill>
-                <a:latin typeface="+mj-lt"/>
-              </a:rPr>
-              <a:t>Everything has weight in water</a:t>
-            </a:r>
-          </a:p>
-          <a:p>
-            <a:pPr lvl="1"/>
-            <a:endParaRPr lang="en-GB" sz="2800" dirty="0">
-              <a:solidFill>
-                <a:srgbClr val="FF0000"/>
-              </a:solidFill>
+            <a:endParaRPr lang="en-GB" sz="3200" dirty="0" smtClean="0">
               <a:latin typeface="+mj-lt"/>
             </a:endParaRPr>
           </a:p>
           <a:p>
+            <a:r>
+              <a:rPr lang="en-GB" sz="3200" b="1" dirty="0" smtClean="0">
+                <a:latin typeface="+mj-lt"/>
+              </a:rPr>
+              <a:t>Iterations</a:t>
+            </a:r>
+          </a:p>
+          <a:p>
             <a:pPr lvl="1"/>
             <a:r>
-              <a:rPr lang="en-GB" sz="2800" dirty="0" smtClean="0">
-                <a:solidFill>
-                  <a:srgbClr val="FF0000"/>
-                </a:solidFill>
-                <a:latin typeface="+mj-lt"/>
-              </a:rPr>
-              <a:t>Avoidance of floating </a:t>
-            </a:r>
-            <a:r>
-              <a:rPr lang="en-GB" sz="2800" dirty="0">
-                <a:solidFill>
-                  <a:srgbClr val="FF0000"/>
-                </a:solidFill>
-                <a:latin typeface="+mj-lt"/>
-              </a:rPr>
-              <a:t>items  vs</a:t>
+              <a:rPr lang="en-GB" b="1" dirty="0" smtClean="0">
+                <a:latin typeface="+mj-lt"/>
+              </a:rPr>
+              <a:t>Was a game of skill</a:t>
             </a:r>
           </a:p>
           <a:p>
             <a:pPr lvl="1"/>
-            <a:endParaRPr lang="en-GB" sz="2800" dirty="0">
-              <a:solidFill>
-                <a:srgbClr val="FF0000"/>
-              </a:solidFill>
-              <a:latin typeface="+mj-lt"/>
-            </a:endParaRPr>
+            <a:r>
+              <a:rPr lang="en-GB" b="1" dirty="0" smtClean="0">
+                <a:latin typeface="+mj-lt"/>
+              </a:rPr>
+              <a:t>Spawning of obstacles</a:t>
+            </a:r>
           </a:p>
           <a:p>
             <a:pPr lvl="1"/>
             <a:r>
-              <a:rPr lang="en-GB" sz="2800" dirty="0">
-                <a:solidFill>
-                  <a:srgbClr val="FF0000"/>
-                </a:solidFill>
-                <a:latin typeface="+mj-lt"/>
-              </a:rPr>
-              <a:t>Avoidance </a:t>
-            </a:r>
-            <a:r>
-              <a:rPr lang="en-GB" sz="2800" dirty="0" smtClean="0">
-                <a:solidFill>
-                  <a:srgbClr val="FF0000"/>
-                </a:solidFill>
-                <a:latin typeface="+mj-lt"/>
-              </a:rPr>
-              <a:t>of </a:t>
-            </a:r>
-            <a:r>
-              <a:rPr lang="en-GB" sz="2800" dirty="0" smtClean="0">
-                <a:solidFill>
-                  <a:srgbClr val="FF0000"/>
-                </a:solidFill>
-                <a:latin typeface="+mj-lt"/>
-              </a:rPr>
-              <a:t>sinking </a:t>
-            </a:r>
-            <a:r>
-              <a:rPr lang="en-GB" sz="2800" dirty="0">
-                <a:solidFill>
-                  <a:srgbClr val="FF0000"/>
-                </a:solidFill>
-                <a:latin typeface="+mj-lt"/>
-              </a:rPr>
-              <a:t>items</a:t>
+              <a:rPr lang="en-GB" b="1" dirty="0" smtClean="0">
+                <a:latin typeface="+mj-lt"/>
+              </a:rPr>
+              <a:t>Grabbing mechanic, adds unpredictability</a:t>
+            </a:r>
+          </a:p>
+          <a:p>
+            <a:pPr lvl="1"/>
+            <a:r>
+              <a:rPr lang="en-GB" b="1" dirty="0" smtClean="0">
+                <a:latin typeface="+mj-lt"/>
+              </a:rPr>
+              <a:t>Thruster, can be improved on movement, so its not as predictable</a:t>
             </a:r>
           </a:p>
         </p:txBody>
@@ -5505,13 +5364,7 @@
               <a:rPr lang="en-GB" dirty="0" smtClean="0">
                 <a:latin typeface="+mj-lt"/>
               </a:rPr>
-              <a:t>Unl</a:t>
-            </a:r>
-            <a:r>
-              <a:rPr lang="en-GB" dirty="0" smtClean="0">
-                <a:latin typeface="+mj-lt"/>
-              </a:rPr>
-              <a:t>imited </a:t>
+              <a:t>Unlimited </a:t>
             </a:r>
             <a:r>
               <a:rPr lang="en-GB" dirty="0">
@@ -5627,22 +5480,19 @@
         </p:nvSpPr>
         <p:spPr/>
         <p:txBody>
-          <a:bodyPr>
-            <a:normAutofit/>
-          </a:bodyPr>
-          <a:lstStyle/>
-          <a:p>
-            <a:r>
-              <a:rPr lang="en-GB" sz="5400" dirty="0" smtClean="0"/>
-              <a:t>Unique Selling Point</a:t>
-            </a:r>
-            <a:endParaRPr lang="en-US" sz="5400" dirty="0"/>
-          </a:p>
-        </p:txBody>
-      </p:sp>
-      <p:sp>
-        <p:nvSpPr>
-          <p:cNvPr id="3" name="Content Placeholder 2"/>
+          <a:bodyPr/>
+          <a:lstStyle/>
+          <a:p>
+            <a:r>
+              <a:rPr lang="en-GB" sz="5400" dirty="0"/>
+              <a:t>Theme</a:t>
+            </a:r>
+          </a:p>
+        </p:txBody>
+      </p:sp>
+      <p:sp>
+        <p:nvSpPr>
+          <p:cNvPr id="5" name="Content Placeholder 2"/>
           <p:cNvSpPr>
             <a:spLocks noGrp="1"/>
           </p:cNvSpPr>
@@ -5650,35 +5500,57 @@
             <p:ph idx="1"/>
           </p:nvPr>
         </p:nvSpPr>
-        <p:spPr/>
+        <p:spPr>
+          <a:xfrm>
+            <a:off x="457200" y="1340768"/>
+            <a:ext cx="8229600" cy="4968592"/>
+          </a:xfrm>
+        </p:spPr>
         <p:txBody>
           <a:bodyPr/>
           <a:lstStyle/>
           <a:p>
             <a:r>
-              <a:rPr lang="en-GB" dirty="0" smtClean="0">
-                <a:latin typeface="+mj-lt"/>
-              </a:rPr>
-              <a:t>Ability to disrupt the progress of your opponent</a:t>
-            </a:r>
-          </a:p>
-          <a:p>
-            <a:endParaRPr lang="en-US" dirty="0">
+              <a:rPr lang="en-GB" dirty="0">
+                <a:latin typeface="+mj-lt"/>
+              </a:rPr>
+              <a:t>Bubbles and underwater scenes</a:t>
+            </a:r>
+          </a:p>
+          <a:p>
+            <a:r>
+              <a:rPr lang="en-GB" dirty="0">
+                <a:latin typeface="+mj-lt"/>
+              </a:rPr>
+              <a:t>Solid Colours </a:t>
+            </a:r>
+          </a:p>
+          <a:p>
+            <a:endParaRPr lang="en-GB" dirty="0">
               <a:latin typeface="+mj-lt"/>
             </a:endParaRPr>
           </a:p>
+          <a:p>
+            <a:endParaRPr lang="en-GB" dirty="0"/>
+          </a:p>
+          <a:p>
+            <a:pPr lvl="2"/>
+            <a:endParaRPr lang="en-GB" dirty="0"/>
+          </a:p>
         </p:txBody>
       </p:sp>
     </p:spTree>
-    <p:extLst>
-      <p:ext uri="{BB962C8B-B14F-4D97-AF65-F5344CB8AC3E}">
-        <p14:creationId xmlns:p14="http://schemas.microsoft.com/office/powerpoint/2010/main" val="1295459395"/>
-      </p:ext>
-    </p:extLst>
   </p:cSld>
   <p:clrMapOvr>
     <a:masterClrMapping/>
   </p:clrMapOvr>
+  <p:timing>
+    <p:tnLst>
+      <p:par>
+        <p:cTn id="1" dur="indefinite" restart="never" nodeType="tmRoot"/>
+      </p:par>
+    </p:tnLst>
+  </p:timing>
 </p:sld>
 </file>
 

--- a/Group 13 Powerpoint presentation2.pptx
+++ b/Group 13 Powerpoint presentation2.pptx
@@ -3098,56 +3098,39 @@
           <a:p>
             <a:r>
               <a:rPr lang="en-GB" sz="1400" dirty="0"/>
-              <a:t>M</a:t>
-            </a:r>
-            <a:r>
-              <a:rPr lang="en-GB" sz="1400" dirty="0" smtClean="0"/>
-              <a:t>odule Group Project IMDCGD111-16YRD</a:t>
+              <a:t>Module Group Project IMDCGD111-16YRD</a:t>
             </a:r>
             <a:br>
-              <a:rPr lang="en-GB" sz="1400" dirty="0" smtClean="0"/>
+              <a:rPr lang="en-GB" sz="1400" dirty="0"/>
             </a:br>
             <a:r>
-              <a:rPr lang="en-GB" sz="1400" dirty="0" smtClean="0"/>
+              <a:rPr lang="en-GB" sz="1400" dirty="0"/>
               <a:t>Module managing games production imdcgd214-16yrd</a:t>
             </a:r>
-            <a:r>
-              <a:rPr lang="en-GB" sz="6600" dirty="0" smtClean="0"/>
-              <a:t/>
-            </a:r>
             <a:br>
-              <a:rPr lang="en-GB" sz="6600" dirty="0" smtClean="0"/>
+              <a:rPr lang="en-GB" sz="6600" dirty="0"/>
             </a:br>
-            <a:r>
-              <a:rPr lang="en-GB" sz="6600" dirty="0" smtClean="0"/>
-              <a:t/>
-            </a:r>
             <a:br>
-              <a:rPr lang="en-GB" sz="6600" dirty="0" smtClean="0"/>
+              <a:rPr lang="en-GB" sz="6600" dirty="0"/>
             </a:br>
             <a:r>
-              <a:rPr lang="en-GB" sz="2200" dirty="0" smtClean="0"/>
+              <a:rPr lang="en-GB" sz="2200" dirty="0"/>
               <a:t>level 4/5 </a:t>
             </a:r>
             <a:r>
-              <a:rPr lang="en-GB" sz="2400" dirty="0" smtClean="0"/>
+              <a:rPr lang="en-GB" sz="2400" dirty="0"/>
               <a:t>Group 13</a:t>
             </a:r>
             <a:br>
-              <a:rPr lang="en-GB" sz="2400" dirty="0" smtClean="0"/>
+              <a:rPr lang="en-GB" sz="2400" dirty="0"/>
             </a:br>
-            <a:r>
-              <a:rPr lang="en-GB" sz="2400" dirty="0" smtClean="0"/>
-              <a:t/>
-            </a:r>
             <a:br>
-              <a:rPr lang="en-GB" sz="2400" dirty="0" smtClean="0"/>
+              <a:rPr lang="en-GB" sz="2400" dirty="0"/>
             </a:br>
             <a:r>
-              <a:rPr lang="en-GB" sz="6000" dirty="0" smtClean="0"/>
+              <a:rPr lang="en-GB" sz="6000" dirty="0"/>
               <a:t>Eat them</a:t>
             </a:r>
-            <a:endParaRPr lang="en-GB" sz="6000" dirty="0"/>
           </a:p>
         </p:txBody>
       </p:sp>
@@ -3199,13 +3182,6 @@
   <p:clrMapOvr>
     <a:masterClrMapping/>
   </p:clrMapOvr>
-  <p:timing>
-    <p:tnLst>
-      <p:par>
-        <p:cTn id="1" dur="indefinite" restart="never" nodeType="tmRoot"/>
-      </p:par>
-    </p:tnLst>
-  </p:timing>
 </p:sld>
 </file>
 
@@ -3244,14 +3220,14 @@
           <a:lstStyle/>
           <a:p>
             <a:r>
-              <a:rPr lang="en-GB" dirty="0" smtClean="0"/>
+              <a:rPr lang="en-GB" dirty="0"/>
               <a:t>Prototype</a:t>
             </a:r>
             <a:br>
-              <a:rPr lang="en-GB" dirty="0" smtClean="0"/>
+              <a:rPr lang="en-GB" dirty="0"/>
             </a:br>
             <a:r>
-              <a:rPr lang="en-GB" dirty="0" smtClean="0"/>
+              <a:rPr lang="en-GB" dirty="0"/>
               <a:t>Screen 1</a:t>
             </a:r>
             <a:endParaRPr lang="en-US" dirty="0"/>
@@ -3307,13 +3283,6 @@
   <p:clrMapOvr>
     <a:masterClrMapping/>
   </p:clrMapOvr>
-  <p:timing>
-    <p:tnLst>
-      <p:par>
-        <p:cTn id="1" dur="indefinite" restart="never" nodeType="tmRoot"/>
-      </p:par>
-    </p:tnLst>
-  </p:timing>
 </p:sld>
 </file>
 
@@ -3352,7 +3321,7 @@
           <a:lstStyle/>
           <a:p>
             <a:r>
-              <a:rPr lang="en-GB" sz="5400" dirty="0" smtClean="0"/>
+              <a:rPr lang="en-GB" sz="5400" dirty="0"/>
               <a:t>Prototype</a:t>
             </a:r>
             <a:endParaRPr lang="en-US" sz="5400" dirty="0"/>
@@ -3398,13 +3367,6 @@
   <p:clrMapOvr>
     <a:masterClrMapping/>
   </p:clrMapOvr>
-  <p:timing>
-    <p:tnLst>
-      <p:par>
-        <p:cTn id="1" dur="indefinite" restart="never" nodeType="tmRoot"/>
-      </p:par>
-    </p:tnLst>
-  </p:timing>
 </p:sld>
 </file>
 
@@ -3443,7 +3405,7 @@
           <a:lstStyle/>
           <a:p>
             <a:r>
-              <a:rPr lang="en-GB" sz="5400" dirty="0" smtClean="0"/>
+              <a:rPr lang="en-GB" sz="5400" dirty="0"/>
               <a:t>Playtest Feedback</a:t>
             </a:r>
             <a:endParaRPr lang="en-US" sz="5400" dirty="0"/>
@@ -3529,7 +3491,7 @@
           <a:p>
             <a:pPr algn="l"/>
             <a:r>
-              <a:rPr lang="en-GB" b="0" dirty="0" smtClean="0">
+              <a:rPr lang="en-GB" b="0" dirty="0">
                 <a:solidFill>
                   <a:srgbClr val="FF0000"/>
                 </a:solidFill>
@@ -3541,7 +3503,7 @@
           <a:p>
             <a:pPr algn="l"/>
             <a:r>
-              <a:rPr lang="en-GB" b="0" dirty="0" smtClean="0">
+              <a:rPr lang="en-GB" b="0" dirty="0">
                 <a:solidFill>
                   <a:srgbClr val="FF0000"/>
                 </a:solidFill>
@@ -3553,7 +3515,7 @@
           <a:p>
             <a:pPr algn="l"/>
             <a:r>
-              <a:rPr lang="en-GB" b="0" dirty="0" smtClean="0">
+              <a:rPr lang="en-GB" b="0" dirty="0">
                 <a:solidFill>
                   <a:srgbClr val="FF0000"/>
                 </a:solidFill>
@@ -3565,7 +3527,7 @@
           <a:p>
             <a:pPr algn="l"/>
             <a:r>
-              <a:rPr lang="en-GB" b="0" dirty="0" smtClean="0">
+              <a:rPr lang="en-GB" b="0" dirty="0">
                 <a:solidFill>
                   <a:srgbClr val="FF0000"/>
                 </a:solidFill>
@@ -3592,13 +3554,6 @@
   <p:clrMapOvr>
     <a:masterClrMapping/>
   </p:clrMapOvr>
-  <p:timing>
-    <p:tnLst>
-      <p:par>
-        <p:cTn id="1" dur="indefinite" restart="never" nodeType="tmRoot"/>
-      </p:par>
-    </p:tnLst>
-  </p:timing>
 </p:sld>
 </file>
 
@@ -3641,7 +3596,7 @@
           <a:p>
             <a:pPr algn="ctr"/>
             <a:r>
-              <a:rPr lang="en-GB" sz="5400" dirty="0" smtClean="0"/>
+              <a:rPr lang="en-GB" sz="5400" dirty="0"/>
               <a:t>Management</a:t>
             </a:r>
             <a:endParaRPr lang="en-US" sz="5400" dirty="0"/>
@@ -3668,73 +3623,31 @@
           <a:bodyPr/>
           <a:lstStyle/>
           <a:p>
-            <a:endParaRPr lang="en-GB" dirty="0" smtClean="0">
-              <a:latin typeface="+mj-lt"/>
-            </a:endParaRPr>
-          </a:p>
-          <a:p>
-            <a:r>
-              <a:rPr lang="en-GB" dirty="0" smtClean="0">
-                <a:latin typeface="+mj-lt"/>
-              </a:rPr>
-              <a:t>Emails:</a:t>
-            </a:r>
-          </a:p>
-          <a:p>
-            <a:endParaRPr lang="en-GB" dirty="0" smtClean="0">
-              <a:latin typeface="+mj-lt"/>
-            </a:endParaRPr>
-          </a:p>
-          <a:p>
-            <a:r>
-              <a:rPr lang="en-GB" dirty="0" smtClean="0">
-                <a:latin typeface="+mj-lt"/>
-              </a:rPr>
-              <a:t>George: 31</a:t>
-            </a:r>
-          </a:p>
-          <a:p>
-            <a:r>
-              <a:rPr lang="en-GB" dirty="0" smtClean="0">
-                <a:latin typeface="+mj-lt"/>
-              </a:rPr>
-              <a:t>Heidi: 34</a:t>
-            </a:r>
-          </a:p>
-          <a:p>
-            <a:r>
-              <a:rPr lang="en-GB" dirty="0" smtClean="0">
-                <a:latin typeface="+mj-lt"/>
-              </a:rPr>
-              <a:t>Macaulay: 5</a:t>
-            </a:r>
-          </a:p>
-          <a:p>
             <a:endParaRPr lang="en-GB" dirty="0">
               <a:latin typeface="+mj-lt"/>
             </a:endParaRPr>
           </a:p>
           <a:p>
-            <a:endParaRPr lang="en-GB" dirty="0" smtClean="0">
+            <a:endParaRPr lang="en-GB" dirty="0">
               <a:latin typeface="+mj-lt"/>
             </a:endParaRPr>
           </a:p>
           <a:p>
             <a:r>
-              <a:rPr lang="en-GB" dirty="0" smtClean="0">
+              <a:rPr lang="en-GB" sz="2400" dirty="0">
                 <a:latin typeface="+mj-lt"/>
               </a:rPr>
               <a:t>Hours logged:</a:t>
             </a:r>
           </a:p>
           <a:p>
-            <a:endParaRPr lang="en-GB" dirty="0" smtClean="0">
+            <a:endParaRPr lang="en-GB" sz="2400" dirty="0">
               <a:latin typeface="+mj-lt"/>
             </a:endParaRPr>
           </a:p>
           <a:p>
             <a:r>
-              <a:rPr lang="en-GB" dirty="0" smtClean="0">
+              <a:rPr lang="en-GB" sz="2400" dirty="0">
                 <a:latin typeface="+mj-lt"/>
               </a:rPr>
               <a:t>George: </a:t>
@@ -3742,7 +3655,7 @@
           </a:p>
           <a:p>
             <a:r>
-              <a:rPr lang="en-GB" dirty="0" smtClean="0">
+              <a:rPr lang="en-GB" sz="2400" dirty="0">
                 <a:latin typeface="+mj-lt"/>
               </a:rPr>
               <a:t>Heidi:</a:t>
@@ -3750,12 +3663,12 @@
           </a:p>
           <a:p>
             <a:r>
-              <a:rPr lang="en-GB" dirty="0" smtClean="0">
+              <a:rPr lang="en-GB" sz="2400" dirty="0">
                 <a:latin typeface="+mj-lt"/>
               </a:rPr>
               <a:t>Macaulay:</a:t>
             </a:r>
-            <a:endParaRPr lang="en-US" dirty="0">
+            <a:endParaRPr lang="en-US" sz="2400" dirty="0">
               <a:latin typeface="+mj-lt"/>
             </a:endParaRPr>
           </a:p>
@@ -3807,7 +3720,7 @@
           <a:lstStyle/>
           <a:p>
             <a:r>
-              <a:rPr lang="en-GB" sz="5400" dirty="0" smtClean="0"/>
+              <a:rPr lang="en-GB" sz="5400" dirty="0"/>
               <a:t>Next </a:t>
             </a:r>
             <a:endParaRPr lang="en-GB" dirty="0"/>
@@ -3842,7 +3755,7 @@
               </a:lnSpc>
             </a:pPr>
             <a:r>
-              <a:rPr lang="en-GB" dirty="0" smtClean="0">
+              <a:rPr lang="en-GB" dirty="0">
                 <a:latin typeface="+mj-lt"/>
               </a:rPr>
               <a:t>Finalising mechanics</a:t>
@@ -3855,7 +3768,7 @@
               </a:lnSpc>
             </a:pPr>
             <a:r>
-              <a:rPr lang="en-GB" dirty="0" smtClean="0">
+              <a:rPr lang="en-GB" dirty="0">
                 <a:latin typeface="+mj-lt"/>
               </a:rPr>
               <a:t>Playtesting to balance</a:t>
@@ -3868,7 +3781,7 @@
               </a:lnSpc>
             </a:pPr>
             <a:r>
-              <a:rPr lang="en-GB" dirty="0" smtClean="0">
+              <a:rPr lang="en-GB" dirty="0">
                 <a:latin typeface="+mj-lt"/>
               </a:rPr>
               <a:t>Playtest to see if mechanics are evoking emotional responses</a:t>
@@ -3880,7 +3793,7 @@
                 <a:spcPct val="150000"/>
               </a:lnSpc>
             </a:pPr>
-            <a:endParaRPr lang="en-GB" dirty="0" smtClean="0">
+            <a:endParaRPr lang="en-GB" dirty="0">
               <a:latin typeface="+mj-lt"/>
             </a:endParaRPr>
           </a:p>
@@ -3891,14 +3804,11 @@
               </a:lnSpc>
             </a:pPr>
             <a:r>
-              <a:rPr lang="en-GB" dirty="0" smtClean="0">
+              <a:rPr lang="en-GB" dirty="0">
                 <a:latin typeface="+mj-lt"/>
               </a:rPr>
               <a:t>Sounds </a:t>
             </a:r>
-            <a:endParaRPr lang="en-GB" dirty="0">
-              <a:latin typeface="+mj-lt"/>
-            </a:endParaRPr>
           </a:p>
           <a:p>
             <a:pPr lvl="1">
@@ -3920,13 +3830,6 @@
   <p:clrMapOvr>
     <a:masterClrMapping/>
   </p:clrMapOvr>
-  <p:timing>
-    <p:tnLst>
-      <p:par>
-        <p:cTn id="1" dur="indefinite" restart="never" nodeType="tmRoot"/>
-      </p:par>
-    </p:tnLst>
-  </p:timing>
 </p:sld>
 </file>
 
@@ -3981,13 +3884,6 @@
   <p:clrMapOvr>
     <a:masterClrMapping/>
   </p:clrMapOvr>
-  <p:timing>
-    <p:tnLst>
-      <p:par>
-        <p:cTn id="1" dur="indefinite" restart="never" nodeType="tmRoot"/>
-      </p:par>
-    </p:tnLst>
-  </p:timing>
 </p:sld>
 </file>
 
@@ -4030,25 +3926,16 @@
           </a:bodyPr>
           <a:lstStyle/>
           <a:p>
-            <a:r>
-              <a:rPr lang="en-GB" sz="5400" dirty="0" smtClean="0"/>
-              <a:t/>
-            </a:r>
             <a:br>
-              <a:rPr lang="en-GB" sz="5400" dirty="0" smtClean="0"/>
+              <a:rPr lang="en-GB" sz="5400" dirty="0"/>
             </a:br>
-            <a:r>
-              <a:rPr lang="en-GB" sz="5400" dirty="0" smtClean="0"/>
-              <a:t/>
-            </a:r>
             <a:br>
-              <a:rPr lang="en-GB" sz="5400" dirty="0" smtClean="0"/>
+              <a:rPr lang="en-GB" sz="5400" dirty="0"/>
             </a:br>
             <a:r>
-              <a:rPr lang="en-GB" sz="6000" dirty="0" smtClean="0"/>
+              <a:rPr lang="en-GB" sz="6000" dirty="0"/>
               <a:t>Logline</a:t>
             </a:r>
-            <a:endParaRPr lang="en-GB" sz="6000" dirty="0"/>
           </a:p>
         </p:txBody>
       </p:sp>
@@ -4086,43 +3973,7 @@
               <a:rPr lang="en-GB" dirty="0">
                 <a:latin typeface="+mj-lt"/>
               </a:rPr>
-              <a:t>Players aim to </a:t>
-            </a:r>
-            <a:r>
-              <a:rPr lang="en-GB" dirty="0" smtClean="0">
-                <a:latin typeface="+mj-lt"/>
-              </a:rPr>
-              <a:t>eat </a:t>
-            </a:r>
-            <a:r>
-              <a:rPr lang="en-GB" dirty="0">
-                <a:latin typeface="+mj-lt"/>
-              </a:rPr>
-              <a:t>bubbles while avoiding </a:t>
-            </a:r>
-            <a:r>
-              <a:rPr lang="en-GB" dirty="0" smtClean="0">
-                <a:latin typeface="+mj-lt"/>
-              </a:rPr>
-              <a:t>obstacles </a:t>
-            </a:r>
-            <a:r>
-              <a:rPr lang="en-GB" dirty="0">
-                <a:latin typeface="+mj-lt"/>
-              </a:rPr>
-              <a:t>and the first </a:t>
-            </a:r>
-            <a:r>
-              <a:rPr lang="en-GB" dirty="0" smtClean="0">
-                <a:latin typeface="+mj-lt"/>
-              </a:rPr>
-              <a:t>one to </a:t>
-            </a:r>
-            <a:r>
-              <a:rPr lang="en-GB" dirty="0">
-                <a:latin typeface="+mj-lt"/>
-              </a:rPr>
-              <a:t>eat their opponent, wins.</a:t>
+              <a:t>Players aim to eat bubbles while avoiding obstacles and the first one to eat their opponent, wins.</a:t>
             </a:r>
           </a:p>
         </p:txBody>
@@ -4132,13 +3983,6 @@
   <p:clrMapOvr>
     <a:masterClrMapping/>
   </p:clrMapOvr>
-  <p:timing>
-    <p:tnLst>
-      <p:par>
-        <p:cTn id="1" dur="indefinite" restart="never" nodeType="tmRoot"/>
-      </p:par>
-    </p:tnLst>
-  </p:timing>
 </p:sld>
 </file>
 
@@ -4219,28 +4063,22 @@
           </a:p>
           <a:p>
             <a:r>
-              <a:rPr lang="en-GB" dirty="0" smtClean="0">
+              <a:rPr lang="en-GB" dirty="0">
                 <a:latin typeface="+mj-lt"/>
               </a:rPr>
               <a:t>Fast paced, simultaneous gameplay which allows for social fun, </a:t>
             </a:r>
-            <a:endParaRPr lang="en-GB" dirty="0">
-              <a:latin typeface="+mj-lt"/>
-            </a:endParaRPr>
           </a:p>
           <a:p>
             <a:pPr marL="585216" lvl="1" indent="0">
               <a:buNone/>
             </a:pPr>
             <a:r>
-              <a:rPr lang="en-GB" dirty="0" smtClean="0">
+              <a:rPr lang="en-GB" dirty="0">
                 <a:latin typeface="+mj-lt"/>
               </a:rPr>
               <a:t>  </a:t>
             </a:r>
-            <a:endParaRPr lang="en-GB" dirty="0">
-              <a:latin typeface="+mj-lt"/>
-            </a:endParaRPr>
           </a:p>
           <a:p>
             <a:pPr lvl="1"/>
@@ -4306,13 +4144,6 @@
   <p:clrMapOvr>
     <a:masterClrMapping/>
   </p:clrMapOvr>
-  <p:timing>
-    <p:tnLst>
-      <p:par>
-        <p:cTn id="1" dur="indefinite" restart="never" nodeType="tmRoot"/>
-      </p:par>
-    </p:tnLst>
-  </p:timing>
 </p:sld>
 </file>
 
@@ -4351,10 +4182,9 @@
           <a:lstStyle/>
           <a:p>
             <a:r>
-              <a:rPr lang="en-GB" sz="5400" dirty="0" smtClean="0"/>
+              <a:rPr lang="en-GB" sz="5400" dirty="0"/>
               <a:t>Mechanics and Assets</a:t>
             </a:r>
-            <a:endParaRPr lang="en-GB" sz="5400" dirty="0"/>
           </a:p>
         </p:txBody>
       </p:sp>
@@ -4383,7 +4213,7 @@
             <a:pPr marL="265176" indent="0">
               <a:buNone/>
             </a:pPr>
-            <a:endParaRPr lang="en-GB" sz="11100" dirty="0" smtClean="0">
+            <a:endParaRPr lang="en-GB" sz="11100" dirty="0">
               <a:latin typeface="+mj-lt"/>
             </a:endParaRPr>
           </a:p>
@@ -4392,18 +4222,15 @@
               <a:buNone/>
             </a:pPr>
             <a:r>
-              <a:rPr lang="en-GB" sz="11100" dirty="0" smtClean="0">
+              <a:rPr lang="en-GB" sz="11100" dirty="0">
                 <a:latin typeface="+mj-lt"/>
               </a:rPr>
               <a:t>Game Play</a:t>
             </a:r>
-            <a:endParaRPr lang="en-GB" sz="11100" dirty="0">
-              <a:latin typeface="+mj-lt"/>
-            </a:endParaRPr>
-          </a:p>
-          <a:p>
-            <a:r>
-              <a:rPr lang="en-GB" sz="9800" dirty="0" smtClean="0">
+          </a:p>
+          <a:p>
+            <a:r>
+              <a:rPr lang="en-GB" sz="9800" dirty="0">
                 <a:latin typeface="+mj-lt"/>
               </a:rPr>
               <a:t>Scoring</a:t>
@@ -4411,18 +4238,15 @@
           </a:p>
           <a:p>
             <a:r>
-              <a:rPr lang="en-GB" sz="9800" dirty="0" smtClean="0">
+              <a:rPr lang="en-GB" sz="9800" dirty="0">
                 <a:latin typeface="+mj-lt"/>
               </a:rPr>
               <a:t>Eating/Absorbing</a:t>
             </a:r>
-            <a:endParaRPr lang="en-GB" sz="9800" dirty="0">
-              <a:latin typeface="+mj-lt"/>
-            </a:endParaRPr>
-          </a:p>
-          <a:p>
-            <a:r>
-              <a:rPr lang="en-GB" sz="9800" dirty="0" smtClean="0">
+          </a:p>
+          <a:p>
+            <a:r>
+              <a:rPr lang="en-GB" sz="9800" dirty="0">
                 <a:latin typeface="+mj-lt"/>
               </a:rPr>
               <a:t>Strategizing </a:t>
@@ -4448,7 +4272,7 @@
             <a:pPr marL="265176" indent="0">
               <a:buNone/>
             </a:pPr>
-            <a:endParaRPr lang="en-GB" sz="11100" dirty="0" smtClean="0">
+            <a:endParaRPr lang="en-GB" sz="11100" dirty="0">
               <a:latin typeface="+mj-lt"/>
             </a:endParaRPr>
           </a:p>
@@ -4465,19 +4289,16 @@
               <a:buNone/>
             </a:pPr>
             <a:r>
-              <a:rPr lang="en-GB" sz="10200" dirty="0" smtClean="0">
+              <a:rPr lang="en-GB" sz="10200" dirty="0">
                 <a:latin typeface="+mj-lt"/>
               </a:rPr>
               <a:t>	Obstacles</a:t>
             </a:r>
-            <a:endParaRPr lang="en-GB" sz="10200" dirty="0">
-              <a:latin typeface="+mj-lt"/>
-            </a:endParaRPr>
           </a:p>
           <a:p>
             <a:pPr lvl="1"/>
             <a:r>
-              <a:rPr lang="en-GB" sz="9800" dirty="0" smtClean="0">
+              <a:rPr lang="en-GB" sz="9800" dirty="0">
                 <a:latin typeface="+mj-lt"/>
               </a:rPr>
               <a:t>Branches</a:t>
@@ -4486,20 +4307,17 @@
           <a:p>
             <a:pPr lvl="1"/>
             <a:r>
-              <a:rPr lang="en-GB" sz="9800" dirty="0" smtClean="0">
+              <a:rPr lang="en-GB" sz="9800" dirty="0">
                 <a:latin typeface="+mj-lt"/>
               </a:rPr>
               <a:t>Fish/ Urchins</a:t>
             </a:r>
-            <a:endParaRPr lang="en-GB" sz="9800" dirty="0">
-              <a:latin typeface="+mj-lt"/>
-            </a:endParaRPr>
           </a:p>
           <a:p>
             <a:pPr marL="585216" lvl="1" indent="0">
               <a:buNone/>
             </a:pPr>
-            <a:endParaRPr lang="en-GB" sz="8000" dirty="0" smtClean="0">
+            <a:endParaRPr lang="en-GB" sz="8000" dirty="0">
               <a:latin typeface="+mj-lt"/>
             </a:endParaRPr>
           </a:p>
@@ -4801,13 +4619,6 @@
   <p:clrMapOvr>
     <a:masterClrMapping/>
   </p:clrMapOvr>
-  <p:timing>
-    <p:tnLst>
-      <p:par>
-        <p:cTn id="1" dur="indefinite" restart="never" nodeType="tmRoot"/>
-      </p:par>
-    </p:tnLst>
-  </p:timing>
 </p:sld>
 </file>
 
@@ -4846,7 +4657,7 @@
           <a:lstStyle/>
           <a:p>
             <a:r>
-              <a:rPr lang="en-GB" sz="5400" dirty="0" smtClean="0"/>
+              <a:rPr lang="en-GB" sz="5400" dirty="0"/>
               <a:t>Research</a:t>
             </a:r>
             <a:endParaRPr lang="en-US" sz="5400" dirty="0"/>
@@ -4884,13 +4695,7 @@
               <a:rPr lang="en-GB" sz="2800" dirty="0">
                 <a:latin typeface="+mj-lt"/>
               </a:rPr>
-              <a:t>We have researched games and took inspiration from</a:t>
-            </a:r>
-            <a:r>
-              <a:rPr lang="en-GB" sz="2800" dirty="0" smtClean="0">
-                <a:latin typeface="+mj-lt"/>
-              </a:rPr>
-              <a:t>:</a:t>
+              <a:t>We have researched games and took inspiration from:</a:t>
             </a:r>
           </a:p>
           <a:p>
@@ -4915,13 +4720,7 @@
               <a:rPr lang="en-GB" sz="2800" dirty="0">
                 <a:latin typeface="+mj-lt"/>
               </a:rPr>
-              <a:t>http://www.ologame.com</a:t>
-            </a:r>
-            <a:r>
-              <a:rPr lang="en-GB" sz="2800" dirty="0" smtClean="0">
-                <a:latin typeface="+mj-lt"/>
-              </a:rPr>
-              <a:t>/ </a:t>
+              <a:t>http://www.ologame.com/ </a:t>
             </a:r>
           </a:p>
           <a:p>
@@ -4946,13 +4745,7 @@
               <a:rPr lang="en-GB" sz="2800" dirty="0">
                 <a:latin typeface="+mj-lt"/>
               </a:rPr>
-              <a:t>http://</a:t>
-            </a:r>
-            <a:r>
-              <a:rPr lang="en-GB" sz="2800" dirty="0" smtClean="0">
-                <a:latin typeface="+mj-lt"/>
-              </a:rPr>
-              <a:t>www.newgrounds.com/</a:t>
+              <a:t>http://www.newgrounds.com/</a:t>
             </a:r>
           </a:p>
           <a:p>
@@ -4992,13 +4785,6 @@
   <p:clrMapOvr>
     <a:masterClrMapping/>
   </p:clrMapOvr>
-  <p:timing>
-    <p:tnLst>
-      <p:par>
-        <p:cTn id="1" dur="indefinite" restart="never" nodeType="tmRoot"/>
-      </p:par>
-    </p:tnLst>
-  </p:timing>
 </p:sld>
 </file>
 
@@ -5061,23 +4847,20 @@
           <a:lstStyle/>
           <a:p>
             <a:r>
-              <a:rPr lang="en-GB" sz="3200" dirty="0" smtClean="0">
+              <a:rPr lang="en-GB" sz="3200" dirty="0">
                 <a:latin typeface="+mj-lt"/>
               </a:rPr>
               <a:t>Buoyancy</a:t>
             </a:r>
+          </a:p>
+          <a:p>
             <a:endParaRPr lang="en-GB" sz="3200" dirty="0">
               <a:latin typeface="+mj-lt"/>
             </a:endParaRPr>
           </a:p>
           <a:p>
-            <a:endParaRPr lang="en-GB" sz="3200" dirty="0" smtClean="0">
-              <a:latin typeface="+mj-lt"/>
-            </a:endParaRPr>
-          </a:p>
-          <a:p>
-            <a:r>
-              <a:rPr lang="en-GB" sz="3200" b="1" dirty="0" smtClean="0">
+            <a:r>
+              <a:rPr lang="en-GB" sz="3200" b="1" dirty="0">
                 <a:latin typeface="+mj-lt"/>
               </a:rPr>
               <a:t>Iterations</a:t>
@@ -5086,7 +4869,7 @@
           <a:p>
             <a:pPr lvl="1"/>
             <a:r>
-              <a:rPr lang="en-GB" b="1" dirty="0" smtClean="0">
+              <a:rPr lang="en-GB" b="1" dirty="0">
                 <a:latin typeface="+mj-lt"/>
               </a:rPr>
               <a:t>Was a game of skill</a:t>
@@ -5095,7 +4878,7 @@
           <a:p>
             <a:pPr lvl="1"/>
             <a:r>
-              <a:rPr lang="en-GB" b="1" dirty="0" smtClean="0">
+              <a:rPr lang="en-GB" b="1" dirty="0">
                 <a:latin typeface="+mj-lt"/>
               </a:rPr>
               <a:t>Spawning of obstacles</a:t>
@@ -5104,7 +4887,7 @@
           <a:p>
             <a:pPr lvl="1"/>
             <a:r>
-              <a:rPr lang="en-GB" b="1" dirty="0" smtClean="0">
+              <a:rPr lang="en-GB" b="1" dirty="0">
                 <a:latin typeface="+mj-lt"/>
               </a:rPr>
               <a:t>Grabbing mechanic, adds unpredictability</a:t>
@@ -5113,7 +4896,7 @@
           <a:p>
             <a:pPr lvl="1"/>
             <a:r>
-              <a:rPr lang="en-GB" b="1" dirty="0" smtClean="0">
+              <a:rPr lang="en-GB" b="1" dirty="0">
                 <a:latin typeface="+mj-lt"/>
               </a:rPr>
               <a:t>Thruster, can be improved on movement, so its not as predictable</a:t>
@@ -5126,13 +4909,6 @@
   <p:clrMapOvr>
     <a:masterClrMapping/>
   </p:clrMapOvr>
-  <p:timing>
-    <p:tnLst>
-      <p:par>
-        <p:cTn id="1" dur="indefinite" restart="never" nodeType="tmRoot"/>
-      </p:par>
-    </p:tnLst>
-  </p:timing>
 </p:sld>
 </file>
 
@@ -5200,20 +4976,17 @@
             <a:pPr marL="137160" indent="0">
               <a:buNone/>
             </a:pPr>
-            <a:endParaRPr lang="en-GB" dirty="0" smtClean="0">
+            <a:endParaRPr lang="en-GB" dirty="0">
               <a:latin typeface="+mj-lt"/>
             </a:endParaRPr>
           </a:p>
           <a:p>
             <a:r>
-              <a:rPr lang="en-GB" dirty="0" smtClean="0">
+              <a:rPr lang="en-GB" dirty="0">
                 <a:latin typeface="+mj-lt"/>
               </a:rPr>
               <a:t>Competitiveness: Giving the winner bragging rights</a:t>
             </a:r>
-            <a:endParaRPr lang="en-GB" dirty="0">
-              <a:latin typeface="+mj-lt"/>
-            </a:endParaRPr>
           </a:p>
           <a:p>
             <a:pPr marL="137160" lvl="0" indent="0">
@@ -5226,14 +4999,11 @@
           <a:p>
             <a:pPr lvl="0"/>
             <a:r>
-              <a:rPr lang="en-GB" dirty="0" smtClean="0">
+              <a:rPr lang="en-GB" dirty="0">
                 <a:latin typeface="+mj-lt"/>
               </a:rPr>
               <a:t>Struggle: Race to gain higher score, to avoid obstacle.</a:t>
             </a:r>
-            <a:endParaRPr lang="en-GB" dirty="0">
-              <a:latin typeface="+mj-lt"/>
-            </a:endParaRPr>
           </a:p>
           <a:p>
             <a:pPr lvl="0"/>
@@ -5244,14 +5014,11 @@
           <a:p>
             <a:pPr lvl="0"/>
             <a:r>
-              <a:rPr lang="en-GB" dirty="0" smtClean="0">
+              <a:rPr lang="en-GB" dirty="0">
                 <a:latin typeface="+mj-lt"/>
               </a:rPr>
               <a:t>Strategy: Plan to position obstacles to hinder opponent. </a:t>
             </a:r>
-            <a:endParaRPr lang="en-GB" dirty="0">
-              <a:latin typeface="+mj-lt"/>
-            </a:endParaRPr>
           </a:p>
           <a:p>
             <a:pPr lvl="0"/>
@@ -5262,14 +5029,11 @@
           <a:p>
             <a:pPr lvl="0"/>
             <a:r>
-              <a:rPr lang="en-GB" dirty="0" smtClean="0">
+              <a:rPr lang="en-GB" dirty="0">
                 <a:latin typeface="+mj-lt"/>
               </a:rPr>
               <a:t>Aggressiveness: Game requires players to concentrate on attacking as well as defending their environment.</a:t>
             </a:r>
-            <a:endParaRPr lang="en-GB" dirty="0">
-              <a:latin typeface="+mj-lt"/>
-            </a:endParaRPr>
           </a:p>
           <a:p>
             <a:endParaRPr lang="en-GB" dirty="0"/>
@@ -5281,13 +5045,6 @@
   <p:clrMapOvr>
     <a:masterClrMapping/>
   </p:clrMapOvr>
-  <p:timing>
-    <p:tnLst>
-      <p:par>
-        <p:cTn id="1" dur="indefinite" restart="never" nodeType="tmRoot"/>
-      </p:par>
-    </p:tnLst>
-  </p:timing>
 </p:sld>
 </file>
 
@@ -5361,16 +5118,10 @@
           </a:p>
           <a:p>
             <a:r>
-              <a:rPr lang="en-GB" dirty="0" smtClean="0">
-                <a:latin typeface="+mj-lt"/>
-              </a:rPr>
-              <a:t>Unlimited </a:t>
-            </a:r>
-            <a:r>
               <a:rPr lang="en-GB" dirty="0">
                 <a:latin typeface="+mj-lt"/>
               </a:rPr>
-              <a:t>supply of items</a:t>
+              <a:t>Unlimited supply of items</a:t>
             </a:r>
           </a:p>
           <a:p>
@@ -5379,19 +5130,7 @@
               <a:rPr lang="en-GB" sz="2800" dirty="0">
                 <a:latin typeface="+mj-lt"/>
               </a:rPr>
-              <a:t>Race to </a:t>
-            </a:r>
-            <a:r>
-              <a:rPr lang="en-GB" sz="2800" dirty="0" smtClean="0">
-                <a:latin typeface="+mj-lt"/>
-              </a:rPr>
-              <a:t>use the </a:t>
-            </a:r>
-            <a:r>
-              <a:rPr lang="en-GB" sz="2800" dirty="0">
-                <a:latin typeface="+mj-lt"/>
-              </a:rPr>
-              <a:t>item</a:t>
+              <a:t>Race to use the item</a:t>
             </a:r>
           </a:p>
           <a:p>
@@ -5414,17 +5153,8 @@
               <a:rPr lang="en-GB" sz="2800" dirty="0">
                 <a:latin typeface="+mj-lt"/>
               </a:rPr>
-              <a:t>Players can bump </a:t>
-            </a:r>
-            <a:r>
-              <a:rPr lang="en-GB" sz="2800" dirty="0" smtClean="0">
-                <a:latin typeface="+mj-lt"/>
-              </a:rPr>
-              <a:t>the obstacles</a:t>
-            </a:r>
-            <a:endParaRPr lang="en-GB" sz="2800" dirty="0">
-              <a:latin typeface="+mj-lt"/>
-            </a:endParaRPr>
+              <a:t>Players can bump the obstacles</a:t>
+            </a:r>
           </a:p>
           <a:p>
             <a:pPr lvl="1"/>
@@ -5441,13 +5171,6 @@
   <p:clrMapOvr>
     <a:masterClrMapping/>
   </p:clrMapOvr>
-  <p:timing>
-    <p:tnLst>
-      <p:par>
-        <p:cTn id="1" dur="indefinite" restart="never" nodeType="tmRoot"/>
-      </p:par>
-    </p:tnLst>
-  </p:timing>
 </p:sld>
 </file>
 
@@ -5539,18 +5262,161 @@
           </a:p>
         </p:txBody>
       </p:sp>
+      <p:pic>
+        <p:nvPicPr>
+          <p:cNvPr id="3" name="Picture 2"/>
+          <p:cNvPicPr>
+            <a:picLocks noChangeAspect="1"/>
+          </p:cNvPicPr>
+          <p:nvPr/>
+        </p:nvPicPr>
+        <p:blipFill>
+          <a:blip r:embed="rId2" cstate="print">
+            <a:extLst>
+              <a:ext uri="{28A0092B-C50C-407E-A947-70E740481C1C}">
+                <a14:useLocalDpi xmlns:a14="http://schemas.microsoft.com/office/drawing/2010/main" val="0"/>
+              </a:ext>
+            </a:extLst>
+          </a:blip>
+          <a:stretch>
+            <a:fillRect/>
+          </a:stretch>
+        </p:blipFill>
+        <p:spPr>
+          <a:xfrm>
+            <a:off x="4439203" y="2468974"/>
+            <a:ext cx="4937348" cy="4937348"/>
+          </a:xfrm>
+          <a:prstGeom prst="rect">
+            <a:avLst/>
+          </a:prstGeom>
+        </p:spPr>
+      </p:pic>
+      <p:pic>
+        <p:nvPicPr>
+          <p:cNvPr id="6" name="Picture 5"/>
+          <p:cNvPicPr>
+            <a:picLocks noChangeAspect="1"/>
+          </p:cNvPicPr>
+          <p:nvPr/>
+        </p:nvPicPr>
+        <p:blipFill>
+          <a:blip r:embed="rId3" cstate="print">
+            <a:extLst>
+              <a:ext uri="{28A0092B-C50C-407E-A947-70E740481C1C}">
+                <a14:useLocalDpi xmlns:a14="http://schemas.microsoft.com/office/drawing/2010/main" val="0"/>
+              </a:ext>
+            </a:extLst>
+          </a:blip>
+          <a:stretch>
+            <a:fillRect/>
+          </a:stretch>
+        </p:blipFill>
+        <p:spPr>
+          <a:xfrm>
+            <a:off x="6470479" y="846138"/>
+            <a:ext cx="2737447" cy="2736344"/>
+          </a:xfrm>
+          <a:prstGeom prst="rect">
+            <a:avLst/>
+          </a:prstGeom>
+        </p:spPr>
+      </p:pic>
+      <p:pic>
+        <p:nvPicPr>
+          <p:cNvPr id="7" name="Picture 6"/>
+          <p:cNvPicPr>
+            <a:picLocks noChangeAspect="1"/>
+          </p:cNvPicPr>
+          <p:nvPr/>
+        </p:nvPicPr>
+        <p:blipFill>
+          <a:blip r:embed="rId4" cstate="print">
+            <a:extLst>
+              <a:ext uri="{28A0092B-C50C-407E-A947-70E740481C1C}">
+                <a14:useLocalDpi xmlns:a14="http://schemas.microsoft.com/office/drawing/2010/main" val="0"/>
+              </a:ext>
+            </a:extLst>
+          </a:blip>
+          <a:stretch>
+            <a:fillRect/>
+          </a:stretch>
+        </p:blipFill>
+        <p:spPr>
+          <a:xfrm>
+            <a:off x="2520" y="2438607"/>
+            <a:ext cx="3573016" cy="3573016"/>
+          </a:xfrm>
+          <a:prstGeom prst="rect">
+            <a:avLst/>
+          </a:prstGeom>
+        </p:spPr>
+      </p:pic>
+      <p:pic>
+        <p:nvPicPr>
+          <p:cNvPr id="8" name="Picture 7"/>
+          <p:cNvPicPr>
+            <a:picLocks noChangeAspect="1"/>
+          </p:cNvPicPr>
+          <p:nvPr/>
+        </p:nvPicPr>
+        <p:blipFill>
+          <a:blip r:embed="rId5" cstate="print">
+            <a:extLst>
+              <a:ext uri="{28A0092B-C50C-407E-A947-70E740481C1C}">
+                <a14:useLocalDpi xmlns:a14="http://schemas.microsoft.com/office/drawing/2010/main" val="0"/>
+              </a:ext>
+            </a:extLst>
+          </a:blip>
+          <a:stretch>
+            <a:fillRect/>
+          </a:stretch>
+        </p:blipFill>
+        <p:spPr>
+          <a:xfrm>
+            <a:off x="3460545" y="1772796"/>
+            <a:ext cx="2664296" cy="2664296"/>
+          </a:xfrm>
+          <a:prstGeom prst="rect">
+            <a:avLst/>
+          </a:prstGeom>
+        </p:spPr>
+      </p:pic>
+      <p:pic>
+        <p:nvPicPr>
+          <p:cNvPr id="4" name="Picture 3"/>
+          <p:cNvPicPr>
+            <a:picLocks noChangeAspect="1"/>
+          </p:cNvPicPr>
+          <p:nvPr/>
+        </p:nvPicPr>
+        <p:blipFill>
+          <a:blip r:embed="rId6" cstate="print">
+            <a:extLst>
+              <a:ext uri="{28A0092B-C50C-407E-A947-70E740481C1C}">
+                <a14:useLocalDpi xmlns:a14="http://schemas.microsoft.com/office/drawing/2010/main" val="0"/>
+              </a:ext>
+            </a:extLst>
+          </a:blip>
+          <a:stretch>
+            <a:fillRect/>
+          </a:stretch>
+        </p:blipFill>
+        <p:spPr>
+          <a:xfrm>
+            <a:off x="2219477" y="4239303"/>
+            <a:ext cx="2926123" cy="2924944"/>
+          </a:xfrm>
+          <a:prstGeom prst="rect">
+            <a:avLst/>
+          </a:prstGeom>
+        </p:spPr>
+      </p:pic>
     </p:spTree>
   </p:cSld>
   <p:clrMapOvr>
     <a:masterClrMapping/>
   </p:clrMapOvr>
-  <p:timing>
-    <p:tnLst>
-      <p:par>
-        <p:cTn id="1" dur="indefinite" restart="never" nodeType="tmRoot"/>
-      </p:par>
-    </p:tnLst>
-  </p:timing>
 </p:sld>
 </file>
 

--- a/Group 13 Powerpoint presentation2.pptx
+++ b/Group 13 Powerpoint presentation2.pptx
@@ -8,12 +8,12 @@
     <p:sldId id="256" r:id="rId2"/>
     <p:sldId id="257" r:id="rId3"/>
     <p:sldId id="265" r:id="rId4"/>
-    <p:sldId id="258" r:id="rId5"/>
-    <p:sldId id="270" r:id="rId6"/>
+    <p:sldId id="270" r:id="rId5"/>
+    <p:sldId id="258" r:id="rId6"/>
     <p:sldId id="259" r:id="rId7"/>
-    <p:sldId id="260" r:id="rId8"/>
-    <p:sldId id="261" r:id="rId9"/>
-    <p:sldId id="262" r:id="rId10"/>
+    <p:sldId id="273" r:id="rId8"/>
+    <p:sldId id="260" r:id="rId9"/>
+    <p:sldId id="261" r:id="rId10"/>
     <p:sldId id="267" r:id="rId11"/>
     <p:sldId id="269" r:id="rId12"/>
     <p:sldId id="268" r:id="rId13"/>
@@ -248,7 +248,7 @@
             <a:fld id="{8B5E4873-88AF-4D2B-84B2-3AC7458A970F}" type="datetimeFigureOut">
               <a:rPr lang="en-GB" smtClean="0"/>
               <a:pPr/>
-              <a:t>28/02/2017</a:t>
+              <a:t>01/03/2017</a:t>
             </a:fld>
             <a:endParaRPr lang="en-GB"/>
           </a:p>
@@ -474,7 +474,7 @@
             <a:fld id="{8B5E4873-88AF-4D2B-84B2-3AC7458A970F}" type="datetimeFigureOut">
               <a:rPr lang="en-GB" smtClean="0"/>
               <a:pPr/>
-              <a:t>28/02/2017</a:t>
+              <a:t>01/03/2017</a:t>
             </a:fld>
             <a:endParaRPr lang="en-GB"/>
           </a:p>
@@ -650,7 +650,7 @@
             <a:fld id="{8B5E4873-88AF-4D2B-84B2-3AC7458A970F}" type="datetimeFigureOut">
               <a:rPr lang="en-GB" smtClean="0"/>
               <a:pPr/>
-              <a:t>28/02/2017</a:t>
+              <a:t>01/03/2017</a:t>
             </a:fld>
             <a:endParaRPr lang="en-GB"/>
           </a:p>
@@ -816,7 +816,7 @@
             <a:fld id="{8B5E4873-88AF-4D2B-84B2-3AC7458A970F}" type="datetimeFigureOut">
               <a:rPr lang="en-GB" smtClean="0"/>
               <a:pPr/>
-              <a:t>28/02/2017</a:t>
+              <a:t>01/03/2017</a:t>
             </a:fld>
             <a:endParaRPr lang="en-GB"/>
           </a:p>
@@ -1056,7 +1056,7 @@
             <a:fld id="{8B5E4873-88AF-4D2B-84B2-3AC7458A970F}" type="datetimeFigureOut">
               <a:rPr lang="en-GB" smtClean="0"/>
               <a:pPr/>
-              <a:t>28/02/2017</a:t>
+              <a:t>01/03/2017</a:t>
             </a:fld>
             <a:endParaRPr lang="en-GB"/>
           </a:p>
@@ -1321,7 +1321,7 @@
             <a:fld id="{8B5E4873-88AF-4D2B-84B2-3AC7458A970F}" type="datetimeFigureOut">
               <a:rPr lang="en-GB" smtClean="0"/>
               <a:pPr/>
-              <a:t>28/02/2017</a:t>
+              <a:t>01/03/2017</a:t>
             </a:fld>
             <a:endParaRPr lang="en-GB"/>
           </a:p>
@@ -1696,7 +1696,7 @@
             <a:fld id="{8B5E4873-88AF-4D2B-84B2-3AC7458A970F}" type="datetimeFigureOut">
               <a:rPr lang="en-GB" smtClean="0"/>
               <a:pPr/>
-              <a:t>28/02/2017</a:t>
+              <a:t>01/03/2017</a:t>
             </a:fld>
             <a:endParaRPr lang="en-GB"/>
           </a:p>
@@ -1810,7 +1810,7 @@
             <a:fld id="{8B5E4873-88AF-4D2B-84B2-3AC7458A970F}" type="datetimeFigureOut">
               <a:rPr lang="en-GB" smtClean="0"/>
               <a:pPr/>
-              <a:t>28/02/2017</a:t>
+              <a:t>01/03/2017</a:t>
             </a:fld>
             <a:endParaRPr lang="en-GB"/>
           </a:p>
@@ -1902,7 +1902,7 @@
             <a:fld id="{8B5E4873-88AF-4D2B-84B2-3AC7458A970F}" type="datetimeFigureOut">
               <a:rPr lang="en-GB" smtClean="0"/>
               <a:pPr/>
-              <a:t>28/02/2017</a:t>
+              <a:t>01/03/2017</a:t>
             </a:fld>
             <a:endParaRPr lang="en-GB"/>
           </a:p>
@@ -2161,7 +2161,7 @@
             <a:fld id="{8B5E4873-88AF-4D2B-84B2-3AC7458A970F}" type="datetimeFigureOut">
               <a:rPr lang="en-GB" smtClean="0"/>
               <a:pPr/>
-              <a:t>28/02/2017</a:t>
+              <a:t>01/03/2017</a:t>
             </a:fld>
             <a:endParaRPr lang="en-GB"/>
           </a:p>
@@ -2426,7 +2426,7 @@
             <a:fld id="{8B5E4873-88AF-4D2B-84B2-3AC7458A970F}" type="datetimeFigureOut">
               <a:rPr lang="en-GB" smtClean="0"/>
               <a:pPr/>
-              <a:t>28/02/2017</a:t>
+              <a:t>01/03/2017</a:t>
             </a:fld>
             <a:endParaRPr lang="en-GB"/>
           </a:p>
@@ -2643,7 +2643,7 @@
             <a:fld id="{8B5E4873-88AF-4D2B-84B2-3AC7458A970F}" type="datetimeFigureOut">
               <a:rPr lang="en-GB" smtClean="0"/>
               <a:pPr/>
-              <a:t>28/02/2017</a:t>
+              <a:t>01/03/2017</a:t>
             </a:fld>
             <a:endParaRPr lang="en-GB"/>
           </a:p>
@@ -3098,39 +3098,56 @@
           <a:p>
             <a:r>
               <a:rPr lang="en-GB" sz="1400" dirty="0"/>
-              <a:t>Module Group Project IMDCGD111-16YRD</a:t>
+              <a:t>M</a:t>
+            </a:r>
+            <a:r>
+              <a:rPr lang="en-GB" sz="1400" dirty="0" smtClean="0"/>
+              <a:t>odule Group Project IMDCGD111-16YRD</a:t>
             </a:r>
             <a:br>
-              <a:rPr lang="en-GB" sz="1400" dirty="0"/>
+              <a:rPr lang="en-GB" sz="1400" dirty="0" smtClean="0"/>
             </a:br>
             <a:r>
-              <a:rPr lang="en-GB" sz="1400" dirty="0"/>
+              <a:rPr lang="en-GB" sz="1400" dirty="0" smtClean="0"/>
               <a:t>Module managing games production imdcgd214-16yrd</a:t>
             </a:r>
+            <a:r>
+              <a:rPr lang="en-GB" sz="6600" dirty="0" smtClean="0"/>
+              <a:t/>
+            </a:r>
             <a:br>
-              <a:rPr lang="en-GB" sz="6600" dirty="0"/>
+              <a:rPr lang="en-GB" sz="6600" dirty="0" smtClean="0"/>
             </a:br>
+            <a:r>
+              <a:rPr lang="en-GB" sz="6600" dirty="0" smtClean="0"/>
+              <a:t/>
+            </a:r>
             <a:br>
-              <a:rPr lang="en-GB" sz="6600" dirty="0"/>
+              <a:rPr lang="en-GB" sz="6600" dirty="0" smtClean="0"/>
             </a:br>
             <a:r>
-              <a:rPr lang="en-GB" sz="2200" dirty="0"/>
+              <a:rPr lang="en-GB" sz="2200" dirty="0" smtClean="0"/>
               <a:t>level 4/5 </a:t>
             </a:r>
             <a:r>
-              <a:rPr lang="en-GB" sz="2400" dirty="0"/>
+              <a:rPr lang="en-GB" sz="2400" dirty="0" smtClean="0"/>
               <a:t>Group 13</a:t>
             </a:r>
             <a:br>
-              <a:rPr lang="en-GB" sz="2400" dirty="0"/>
+              <a:rPr lang="en-GB" sz="2400" dirty="0" smtClean="0"/>
             </a:br>
+            <a:r>
+              <a:rPr lang="en-GB" sz="2400" dirty="0" smtClean="0"/>
+              <a:t/>
+            </a:r>
             <a:br>
-              <a:rPr lang="en-GB" sz="2400" dirty="0"/>
+              <a:rPr lang="en-GB" sz="2400" dirty="0" smtClean="0"/>
             </a:br>
             <a:r>
-              <a:rPr lang="en-GB" sz="6000" dirty="0"/>
+              <a:rPr lang="en-GB" sz="6000" dirty="0" smtClean="0"/>
               <a:t>Eat them</a:t>
             </a:r>
+            <a:endParaRPr lang="en-GB" sz="6000" dirty="0"/>
           </a:p>
         </p:txBody>
       </p:sp>
@@ -3182,6 +3199,13 @@
   <p:clrMapOvr>
     <a:masterClrMapping/>
   </p:clrMapOvr>
+  <p:timing>
+    <p:tnLst>
+      <p:par>
+        <p:cTn id="1" dur="indefinite" restart="never" nodeType="tmRoot"/>
+      </p:par>
+    </p:tnLst>
+  </p:timing>
 </p:sld>
 </file>
 
@@ -3220,14 +3244,14 @@
           <a:lstStyle/>
           <a:p>
             <a:r>
-              <a:rPr lang="en-GB" dirty="0"/>
+              <a:rPr lang="en-GB" dirty="0" smtClean="0"/>
               <a:t>Prototype</a:t>
             </a:r>
             <a:br>
-              <a:rPr lang="en-GB" dirty="0"/>
+              <a:rPr lang="en-GB" dirty="0" smtClean="0"/>
             </a:br>
             <a:r>
-              <a:rPr lang="en-GB" dirty="0"/>
+              <a:rPr lang="en-GB" dirty="0" smtClean="0"/>
               <a:t>Screen 1</a:t>
             </a:r>
             <a:endParaRPr lang="en-US" dirty="0"/>
@@ -3283,6 +3307,13 @@
   <p:clrMapOvr>
     <a:masterClrMapping/>
   </p:clrMapOvr>
+  <p:timing>
+    <p:tnLst>
+      <p:par>
+        <p:cTn id="1" dur="indefinite" restart="never" nodeType="tmRoot"/>
+      </p:par>
+    </p:tnLst>
+  </p:timing>
 </p:sld>
 </file>
 
@@ -3321,7 +3352,7 @@
           <a:lstStyle/>
           <a:p>
             <a:r>
-              <a:rPr lang="en-GB" sz="5400" dirty="0"/>
+              <a:rPr lang="en-GB" sz="5400" dirty="0" smtClean="0"/>
               <a:t>Prototype</a:t>
             </a:r>
             <a:endParaRPr lang="en-US" sz="5400" dirty="0"/>
@@ -3367,6 +3398,13 @@
   <p:clrMapOvr>
     <a:masterClrMapping/>
   </p:clrMapOvr>
+  <p:timing>
+    <p:tnLst>
+      <p:par>
+        <p:cTn id="1" dur="indefinite" restart="never" nodeType="tmRoot"/>
+      </p:par>
+    </p:tnLst>
+  </p:timing>
 </p:sld>
 </file>
 
@@ -3405,7 +3443,7 @@
           <a:lstStyle/>
           <a:p>
             <a:r>
-              <a:rPr lang="en-GB" sz="5400" dirty="0"/>
+              <a:rPr lang="en-GB" sz="5400" dirty="0" smtClean="0"/>
               <a:t>Playtest Feedback</a:t>
             </a:r>
             <a:endParaRPr lang="en-US" sz="5400" dirty="0"/>
@@ -3422,8 +3460,8 @@
         </p:nvSpPr>
         <p:spPr>
           <a:xfrm>
-            <a:off x="179512" y="1700808"/>
-            <a:ext cx="8229600" cy="4968552"/>
+            <a:off x="476046" y="1700808"/>
+            <a:ext cx="8229600" cy="5040559"/>
           </a:xfrm>
           <a:prstGeom prst="rect">
             <a:avLst/>
@@ -3431,7 +3469,7 @@
         </p:spPr>
         <p:txBody>
           <a:bodyPr vert="horz" anchor="ctr">
-            <a:normAutofit/>
+            <a:normAutofit fontScale="77500" lnSpcReduction="20000"/>
             <a:scene3d>
               <a:camera prst="orthographicFront"/>
               <a:lightRig rig="soft" dir="t">
@@ -3491,50 +3529,221 @@
           <a:p>
             <a:pPr algn="l"/>
             <a:r>
-              <a:rPr lang="en-GB" b="0" dirty="0">
+              <a:rPr lang="en-GB" sz="4000" b="0" dirty="0" smtClean="0">
                 <a:solidFill>
-                  <a:srgbClr val="FF0000"/>
+                  <a:schemeClr val="tx1"/>
                 </a:solidFill>
                 <a:effectLst/>
               </a:rPr>
-              <a:t>Question 1</a:t>
-            </a:r>
-          </a:p>
-          <a:p>
-            <a:pPr algn="l"/>
-            <a:r>
-              <a:rPr lang="en-GB" b="0" dirty="0">
+              <a:t>Q-1</a:t>
+            </a:r>
+            <a:r>
+              <a:rPr lang="en-GB" sz="3600" b="0" dirty="0" smtClean="0">
                 <a:solidFill>
-                  <a:srgbClr val="FF0000"/>
+                  <a:schemeClr val="tx1"/>
                 </a:solidFill>
                 <a:effectLst/>
               </a:rPr>
-              <a:t>Question 2</a:t>
-            </a:r>
-          </a:p>
-          <a:p>
-            <a:pPr algn="l"/>
-            <a:r>
-              <a:rPr lang="en-GB" b="0" dirty="0">
+              <a:t> Liked?     </a:t>
+            </a:r>
+            <a:r>
+              <a:rPr lang="en-GB" sz="3500" b="0" dirty="0" smtClean="0">
                 <a:solidFill>
-                  <a:srgbClr val="FF0000"/>
+                  <a:schemeClr val="tx1"/>
                 </a:solidFill>
                 <a:effectLst/>
               </a:rPr>
-              <a:t>Question 3</a:t>
+              <a:t>80% Theme</a:t>
             </a:r>
           </a:p>
           <a:p>
             <a:pPr algn="l"/>
-            <a:r>
-              <a:rPr lang="en-GB" b="0" dirty="0">
+            <a:endParaRPr lang="en-GB" sz="3600" b="0" dirty="0" smtClean="0">
+              <a:solidFill>
+                <a:schemeClr val="tx1"/>
+              </a:solidFill>
+              <a:effectLst/>
+            </a:endParaRPr>
+          </a:p>
+          <a:p>
+            <a:pPr algn="l"/>
+            <a:r>
+              <a:rPr lang="en-GB" sz="4000" b="0" dirty="0" smtClean="0">
                 <a:solidFill>
-                  <a:srgbClr val="FF0000"/>
+                  <a:schemeClr val="tx1"/>
                 </a:solidFill>
                 <a:effectLst/>
               </a:rPr>
-              <a:t>Question 4</a:t>
-            </a:r>
+              <a:t>Q-2</a:t>
+            </a:r>
+            <a:r>
+              <a:rPr lang="en-GB" sz="3600" b="0" dirty="0" smtClean="0">
+                <a:solidFill>
+                  <a:schemeClr val="tx1"/>
+                </a:solidFill>
+                <a:effectLst/>
+              </a:rPr>
+              <a:t> Didn’t like?    </a:t>
+            </a:r>
+          </a:p>
+          <a:p>
+            <a:pPr algn="l"/>
+            <a:endParaRPr lang="en-GB" sz="3600" b="0" dirty="0" smtClean="0">
+              <a:solidFill>
+                <a:schemeClr val="tx1"/>
+              </a:solidFill>
+              <a:effectLst/>
+            </a:endParaRPr>
+          </a:p>
+          <a:p>
+            <a:pPr algn="l"/>
+            <a:r>
+              <a:rPr lang="en-GB" sz="3500" b="0" dirty="0" smtClean="0">
+                <a:solidFill>
+                  <a:schemeClr val="tx1"/>
+                </a:solidFill>
+                <a:effectLst/>
+              </a:rPr>
+              <a:t>60% Controls </a:t>
+            </a:r>
+          </a:p>
+          <a:p>
+            <a:pPr algn="l"/>
+            <a:r>
+              <a:rPr lang="en-GB" sz="3500" b="0" dirty="0" smtClean="0">
+                <a:solidFill>
+                  <a:schemeClr val="tx1"/>
+                </a:solidFill>
+                <a:effectLst/>
+              </a:rPr>
+              <a:t>40% Screen too busy  </a:t>
+            </a:r>
+          </a:p>
+          <a:p>
+            <a:pPr algn="l"/>
+            <a:endParaRPr lang="en-GB" sz="3600" b="0" dirty="0" smtClean="0">
+              <a:solidFill>
+                <a:schemeClr val="tx1"/>
+              </a:solidFill>
+              <a:effectLst/>
+            </a:endParaRPr>
+          </a:p>
+          <a:p>
+            <a:pPr algn="l"/>
+            <a:r>
+              <a:rPr lang="en-GB" sz="4000" b="0" dirty="0" smtClean="0">
+                <a:solidFill>
+                  <a:schemeClr val="tx1"/>
+                </a:solidFill>
+                <a:effectLst/>
+              </a:rPr>
+              <a:t>Q-3</a:t>
+            </a:r>
+            <a:r>
+              <a:rPr lang="en-GB" sz="3600" b="0" dirty="0" smtClean="0">
+                <a:solidFill>
+                  <a:schemeClr val="tx1"/>
+                </a:solidFill>
+                <a:effectLst/>
+              </a:rPr>
+              <a:t> Implied instructions?    </a:t>
+            </a:r>
+            <a:r>
+              <a:rPr lang="en-GB" sz="3500" b="0" dirty="0" smtClean="0">
+                <a:solidFill>
+                  <a:schemeClr val="tx1"/>
+                </a:solidFill>
+                <a:effectLst/>
+              </a:rPr>
+              <a:t>80% No </a:t>
+            </a:r>
+            <a:endParaRPr lang="en-GB" sz="3600" b="0" dirty="0" smtClean="0">
+              <a:solidFill>
+                <a:schemeClr val="tx1"/>
+              </a:solidFill>
+              <a:effectLst/>
+            </a:endParaRPr>
+          </a:p>
+          <a:p>
+            <a:pPr algn="l"/>
+            <a:r>
+              <a:rPr lang="en-GB" sz="3600" b="0" dirty="0" smtClean="0">
+                <a:solidFill>
+                  <a:schemeClr val="tx1"/>
+                </a:solidFill>
+                <a:effectLst/>
+              </a:rPr>
+              <a:t> </a:t>
+            </a:r>
+          </a:p>
+          <a:p>
+            <a:pPr algn="l"/>
+            <a:r>
+              <a:rPr lang="en-GB" sz="4000" b="0" dirty="0" smtClean="0">
+                <a:solidFill>
+                  <a:schemeClr val="tx1"/>
+                </a:solidFill>
+                <a:effectLst/>
+              </a:rPr>
+              <a:t>Q-4</a:t>
+            </a:r>
+            <a:r>
+              <a:rPr lang="en-GB" sz="3600" b="0" dirty="0" smtClean="0">
+                <a:solidFill>
+                  <a:schemeClr val="tx1"/>
+                </a:solidFill>
+                <a:effectLst/>
+              </a:rPr>
+              <a:t> Change?     </a:t>
+            </a:r>
+          </a:p>
+          <a:p>
+            <a:pPr algn="l"/>
+            <a:endParaRPr lang="en-GB" sz="3600" b="0" dirty="0">
+              <a:solidFill>
+                <a:schemeClr val="tx1"/>
+              </a:solidFill>
+              <a:effectLst/>
+            </a:endParaRPr>
+          </a:p>
+          <a:p>
+            <a:pPr algn="l"/>
+            <a:r>
+              <a:rPr lang="en-GB" sz="3500" b="0" dirty="0" smtClean="0">
+                <a:solidFill>
+                  <a:schemeClr val="tx1"/>
+                </a:solidFill>
+                <a:effectLst/>
+              </a:rPr>
+              <a:t>60% Instructions/ Controls </a:t>
+            </a:r>
+          </a:p>
+          <a:p>
+            <a:pPr algn="l"/>
+            <a:r>
+              <a:rPr lang="en-GB" sz="3500" b="0" dirty="0" smtClean="0">
+                <a:solidFill>
+                  <a:schemeClr val="tx1"/>
+                </a:solidFill>
+                <a:effectLst/>
+              </a:rPr>
+              <a:t>40% Theme/ Player design.</a:t>
+            </a:r>
+            <a:endParaRPr lang="en-GB" sz="3600" b="0" dirty="0" smtClean="0">
+              <a:solidFill>
+                <a:schemeClr val="tx1"/>
+              </a:solidFill>
+              <a:effectLst/>
+            </a:endParaRPr>
+          </a:p>
+          <a:p>
+            <a:pPr algn="l"/>
+            <a:endParaRPr lang="en-GB" b="0" dirty="0" smtClean="0">
+              <a:solidFill>
+                <a:srgbClr val="FF0000"/>
+              </a:solidFill>
+              <a:effectLst/>
+            </a:endParaRPr>
           </a:p>
           <a:p>
             <a:pPr algn="l"/>
@@ -3554,6 +3763,13 @@
   <p:clrMapOvr>
     <a:masterClrMapping/>
   </p:clrMapOvr>
+  <p:timing>
+    <p:tnLst>
+      <p:par>
+        <p:cTn id="1" dur="indefinite" restart="never" nodeType="tmRoot"/>
+      </p:par>
+    </p:tnLst>
+  </p:timing>
 </p:sld>
 </file>
 
@@ -3596,7 +3812,7 @@
           <a:p>
             <a:pPr algn="ctr"/>
             <a:r>
-              <a:rPr lang="en-GB" sz="5400" dirty="0"/>
+              <a:rPr lang="en-GB" sz="5400" dirty="0" smtClean="0"/>
               <a:t>Management</a:t>
             </a:r>
             <a:endParaRPr lang="en-US" sz="5400" dirty="0"/>
@@ -3615,65 +3831,216 @@
         </p:nvSpPr>
         <p:spPr>
           <a:xfrm>
-            <a:off x="1600200" y="908720"/>
-            <a:ext cx="7086600" cy="5760640"/>
+            <a:off x="683567" y="908720"/>
+            <a:ext cx="7967487" cy="5760640"/>
           </a:xfrm>
         </p:spPr>
         <p:txBody>
           <a:bodyPr/>
           <a:lstStyle/>
           <a:p>
+            <a:r>
+              <a:rPr lang="en-GB" sz="2800" dirty="0" smtClean="0">
+                <a:latin typeface="+mj-lt"/>
+              </a:rPr>
+              <a:t>Emails:                </a:t>
+            </a:r>
+            <a:r>
+              <a:rPr lang="en-GB" sz="3600" dirty="0" smtClean="0">
+                <a:latin typeface="+mj-lt"/>
+              </a:rPr>
+              <a:t>		</a:t>
+            </a:r>
+            <a:r>
+              <a:rPr lang="en-GB" dirty="0" smtClean="0">
+                <a:latin typeface="+mj-lt"/>
+              </a:rPr>
+              <a:t>Sprint 1</a:t>
+            </a:r>
+          </a:p>
+          <a:p>
+            <a:endParaRPr lang="en-GB" dirty="0" smtClean="0">
+              <a:latin typeface="+mj-lt"/>
+            </a:endParaRPr>
+          </a:p>
+          <a:p>
+            <a:r>
+              <a:rPr lang="en-GB" dirty="0" smtClean="0">
+                <a:latin typeface="+mj-lt"/>
+              </a:rPr>
+              <a:t>George: 31</a:t>
+            </a:r>
+          </a:p>
+          <a:p>
+            <a:r>
+              <a:rPr lang="en-GB" dirty="0" smtClean="0">
+                <a:latin typeface="+mj-lt"/>
+              </a:rPr>
+              <a:t>Heidi: 34</a:t>
+            </a:r>
+          </a:p>
+          <a:p>
+            <a:r>
+              <a:rPr lang="en-GB" dirty="0" smtClean="0">
+                <a:latin typeface="+mj-lt"/>
+              </a:rPr>
+              <a:t>Macaulay: 5</a:t>
+            </a:r>
+          </a:p>
+          <a:p>
+            <a:r>
+              <a:rPr lang="en-GB" dirty="0" smtClean="0">
+                <a:latin typeface="+mj-lt"/>
+              </a:rPr>
+              <a:t>					Sprint 2</a:t>
+            </a:r>
+          </a:p>
+          <a:p>
+            <a:r>
+              <a:rPr lang="en-GB" dirty="0">
+                <a:latin typeface="+mj-lt"/>
+              </a:rPr>
+              <a:t>	</a:t>
+            </a:r>
+            <a:r>
+              <a:rPr lang="en-GB" dirty="0" smtClean="0">
+                <a:latin typeface="+mj-lt"/>
+              </a:rPr>
+              <a:t>			</a:t>
+            </a:r>
+          </a:p>
+          <a:p>
+            <a:r>
+              <a:rPr lang="en-GB" sz="3600" dirty="0" smtClean="0">
+                <a:latin typeface="+mj-lt"/>
+              </a:rPr>
+              <a:t>Hours logged:</a:t>
+            </a:r>
+          </a:p>
+          <a:p>
+            <a:endParaRPr lang="en-GB" dirty="0" smtClean="0">
+              <a:latin typeface="+mj-lt"/>
+            </a:endParaRPr>
+          </a:p>
+          <a:p>
+            <a:r>
+              <a:rPr lang="en-GB" dirty="0" smtClean="0">
+                <a:latin typeface="+mj-lt"/>
+              </a:rPr>
+              <a:t>George: 20				Sprint 3</a:t>
+            </a:r>
+          </a:p>
+          <a:p>
+            <a:r>
+              <a:rPr lang="en-GB" dirty="0" smtClean="0">
+                <a:latin typeface="+mj-lt"/>
+              </a:rPr>
+              <a:t>Heidi:	21				</a:t>
+            </a:r>
             <a:endParaRPr lang="en-GB" dirty="0">
               <a:latin typeface="+mj-lt"/>
             </a:endParaRPr>
           </a:p>
           <a:p>
-            <a:endParaRPr lang="en-GB" dirty="0">
+            <a:r>
+              <a:rPr lang="en-GB" dirty="0" smtClean="0">
+                <a:latin typeface="+mj-lt"/>
+              </a:rPr>
+              <a:t>Macaulay: 0	</a:t>
+            </a:r>
+            <a:endParaRPr lang="en-US" dirty="0">
               <a:latin typeface="+mj-lt"/>
             </a:endParaRPr>
           </a:p>
-          <a:p>
-            <a:r>
-              <a:rPr lang="en-GB" sz="2400" dirty="0">
-                <a:latin typeface="+mj-lt"/>
-              </a:rPr>
-              <a:t>Hours logged:</a:t>
-            </a:r>
-          </a:p>
-          <a:p>
-            <a:endParaRPr lang="en-GB" sz="2400" dirty="0">
-              <a:latin typeface="+mj-lt"/>
-            </a:endParaRPr>
-          </a:p>
-          <a:p>
-            <a:r>
-              <a:rPr lang="en-GB" sz="2400" dirty="0">
-                <a:latin typeface="+mj-lt"/>
-              </a:rPr>
-              <a:t>George: </a:t>
-            </a:r>
-          </a:p>
-          <a:p>
-            <a:r>
-              <a:rPr lang="en-GB" sz="2400" dirty="0">
-                <a:latin typeface="+mj-lt"/>
-              </a:rPr>
-              <a:t>Heidi:</a:t>
-            </a:r>
-          </a:p>
-          <a:p>
-            <a:r>
-              <a:rPr lang="en-GB" sz="2400" dirty="0">
-                <a:latin typeface="+mj-lt"/>
-              </a:rPr>
-              <a:t>Macaulay:</a:t>
-            </a:r>
-            <a:endParaRPr lang="en-US" sz="2400" dirty="0">
-              <a:latin typeface="+mj-lt"/>
-            </a:endParaRPr>
-          </a:p>
-        </p:txBody>
-      </p:sp>
+        </p:txBody>
+      </p:sp>
+      <p:pic>
+        <p:nvPicPr>
+          <p:cNvPr id="10" name="Picture 9"/>
+          <p:cNvPicPr/>
+          <p:nvPr/>
+        </p:nvPicPr>
+        <p:blipFill rotWithShape="1">
+          <a:blip r:embed="rId2"/>
+          <a:srcRect l="4647" t="39624" r="62982" b="29020"/>
+          <a:stretch/>
+        </p:blipFill>
+        <p:spPr bwMode="auto">
+          <a:xfrm>
+            <a:off x="4783986" y="1501118"/>
+            <a:ext cx="3867068" cy="1296144"/>
+          </a:xfrm>
+          <a:prstGeom prst="rect">
+            <a:avLst/>
+          </a:prstGeom>
+          <a:ln>
+            <a:noFill/>
+          </a:ln>
+          <a:extLst>
+            <a:ext uri="{53640926-AAD7-44D8-BBD7-CCE9431645EC}">
+              <a14:shadowObscured xmlns:a14="http://schemas.microsoft.com/office/drawing/2010/main"/>
+            </a:ext>
+          </a:extLst>
+        </p:spPr>
+      </p:pic>
+      <p:pic>
+        <p:nvPicPr>
+          <p:cNvPr id="12" name="Picture 11"/>
+          <p:cNvPicPr/>
+          <p:nvPr/>
+        </p:nvPicPr>
+        <p:blipFill rotWithShape="1">
+          <a:blip r:embed="rId3"/>
+          <a:srcRect l="4647" t="39052" r="62821" b="30446"/>
+          <a:stretch/>
+        </p:blipFill>
+        <p:spPr bwMode="auto">
+          <a:xfrm>
+            <a:off x="4783985" y="5157194"/>
+            <a:ext cx="3867067" cy="1351830"/>
+          </a:xfrm>
+          <a:prstGeom prst="rect">
+            <a:avLst/>
+          </a:prstGeom>
+          <a:ln>
+            <a:noFill/>
+          </a:ln>
+          <a:extLst>
+            <a:ext uri="{53640926-AAD7-44D8-BBD7-CCE9431645EC}">
+              <a14:shadowObscured xmlns:a14="http://schemas.microsoft.com/office/drawing/2010/main"/>
+            </a:ext>
+          </a:extLst>
+        </p:spPr>
+      </p:pic>
+      <p:pic>
+        <p:nvPicPr>
+          <p:cNvPr id="13" name="Picture 12"/>
+          <p:cNvPicPr/>
+          <p:nvPr/>
+        </p:nvPicPr>
+        <p:blipFill rotWithShape="1">
+          <a:blip r:embed="rId4"/>
+          <a:srcRect l="4647" t="39053" r="61379" b="29875"/>
+          <a:stretch/>
+        </p:blipFill>
+        <p:spPr bwMode="auto">
+          <a:xfrm>
+            <a:off x="4783984" y="3301318"/>
+            <a:ext cx="3867068" cy="1351819"/>
+          </a:xfrm>
+          <a:prstGeom prst="rect">
+            <a:avLst/>
+          </a:prstGeom>
+          <a:ln>
+            <a:noFill/>
+          </a:ln>
+          <a:extLst>
+            <a:ext uri="{53640926-AAD7-44D8-BBD7-CCE9431645EC}">
+              <a14:shadowObscured xmlns:a14="http://schemas.microsoft.com/office/drawing/2010/main"/>
+            </a:ext>
+          </a:extLst>
+        </p:spPr>
+      </p:pic>
     </p:spTree>
     <p:extLst>
       <p:ext uri="{BB962C8B-B14F-4D97-AF65-F5344CB8AC3E}">
@@ -3684,6 +4051,13 @@
   <p:clrMapOvr>
     <a:masterClrMapping/>
   </p:clrMapOvr>
+  <p:timing>
+    <p:tnLst>
+      <p:par>
+        <p:cTn id="1" dur="indefinite" restart="never" nodeType="tmRoot"/>
+      </p:par>
+    </p:tnLst>
+  </p:timing>
 </p:sld>
 </file>
 
@@ -3720,7 +4094,7 @@
           <a:lstStyle/>
           <a:p>
             <a:r>
-              <a:rPr lang="en-GB" sz="5400" dirty="0"/>
+              <a:rPr lang="en-GB" sz="5400" dirty="0" smtClean="0"/>
               <a:t>Next </a:t>
             </a:r>
             <a:endParaRPr lang="en-GB" dirty="0"/>
@@ -3755,7 +4129,7 @@
               </a:lnSpc>
             </a:pPr>
             <a:r>
-              <a:rPr lang="en-GB" dirty="0">
+              <a:rPr lang="en-GB" dirty="0" smtClean="0">
                 <a:latin typeface="+mj-lt"/>
               </a:rPr>
               <a:t>Finalising mechanics</a:t>
@@ -3768,7 +4142,7 @@
               </a:lnSpc>
             </a:pPr>
             <a:r>
-              <a:rPr lang="en-GB" dirty="0">
+              <a:rPr lang="en-GB" dirty="0" smtClean="0">
                 <a:latin typeface="+mj-lt"/>
               </a:rPr>
               <a:t>Playtesting to balance</a:t>
@@ -3781,7 +4155,7 @@
               </a:lnSpc>
             </a:pPr>
             <a:r>
-              <a:rPr lang="en-GB" dirty="0">
+              <a:rPr lang="en-GB" dirty="0" smtClean="0">
                 <a:latin typeface="+mj-lt"/>
               </a:rPr>
               <a:t>Playtest to see if mechanics are evoking emotional responses</a:t>
@@ -3793,7 +4167,7 @@
                 <a:spcPct val="150000"/>
               </a:lnSpc>
             </a:pPr>
-            <a:endParaRPr lang="en-GB" dirty="0">
+            <a:endParaRPr lang="en-GB" dirty="0" smtClean="0">
               <a:latin typeface="+mj-lt"/>
             </a:endParaRPr>
           </a:p>
@@ -3804,11 +4178,14 @@
               </a:lnSpc>
             </a:pPr>
             <a:r>
-              <a:rPr lang="en-GB" dirty="0">
+              <a:rPr lang="en-GB" dirty="0" smtClean="0">
                 <a:latin typeface="+mj-lt"/>
               </a:rPr>
               <a:t>Sounds </a:t>
             </a:r>
+            <a:endParaRPr lang="en-GB" dirty="0">
+              <a:latin typeface="+mj-lt"/>
+            </a:endParaRPr>
           </a:p>
           <a:p>
             <a:pPr lvl="1">
@@ -3830,6 +4207,13 @@
   <p:clrMapOvr>
     <a:masterClrMapping/>
   </p:clrMapOvr>
+  <p:timing>
+    <p:tnLst>
+      <p:par>
+        <p:cTn id="1" dur="indefinite" restart="never" nodeType="tmRoot"/>
+      </p:par>
+    </p:tnLst>
+  </p:timing>
 </p:sld>
 </file>
 
@@ -3884,6 +4268,13 @@
   <p:clrMapOvr>
     <a:masterClrMapping/>
   </p:clrMapOvr>
+  <p:timing>
+    <p:tnLst>
+      <p:par>
+        <p:cTn id="1" dur="indefinite" restart="never" nodeType="tmRoot"/>
+      </p:par>
+    </p:tnLst>
+  </p:timing>
 </p:sld>
 </file>
 
@@ -3926,16 +4317,25 @@
           </a:bodyPr>
           <a:lstStyle/>
           <a:p>
+            <a:r>
+              <a:rPr lang="en-GB" sz="5400" dirty="0" smtClean="0"/>
+              <a:t/>
+            </a:r>
             <a:br>
-              <a:rPr lang="en-GB" sz="5400" dirty="0"/>
+              <a:rPr lang="en-GB" sz="5400" dirty="0" smtClean="0"/>
             </a:br>
+            <a:r>
+              <a:rPr lang="en-GB" sz="5400" dirty="0" smtClean="0"/>
+              <a:t/>
+            </a:r>
             <a:br>
-              <a:rPr lang="en-GB" sz="5400" dirty="0"/>
+              <a:rPr lang="en-GB" sz="5400" dirty="0" smtClean="0"/>
             </a:br>
             <a:r>
-              <a:rPr lang="en-GB" sz="6000" dirty="0"/>
+              <a:rPr lang="en-GB" sz="6000" dirty="0" smtClean="0"/>
               <a:t>Logline</a:t>
             </a:r>
+            <a:endParaRPr lang="en-GB" sz="6000" dirty="0"/>
           </a:p>
         </p:txBody>
       </p:sp>
@@ -3973,7 +4373,43 @@
               <a:rPr lang="en-GB" dirty="0">
                 <a:latin typeface="+mj-lt"/>
               </a:rPr>
-              <a:t>Players aim to eat bubbles while avoiding obstacles and the first one to eat their opponent, wins.</a:t>
+              <a:t>Players aim to </a:t>
+            </a:r>
+            <a:r>
+              <a:rPr lang="en-GB" dirty="0" smtClean="0">
+                <a:latin typeface="+mj-lt"/>
+              </a:rPr>
+              <a:t>eat </a:t>
+            </a:r>
+            <a:r>
+              <a:rPr lang="en-GB" dirty="0">
+                <a:latin typeface="+mj-lt"/>
+              </a:rPr>
+              <a:t>bubbles while avoiding </a:t>
+            </a:r>
+            <a:r>
+              <a:rPr lang="en-GB" dirty="0" smtClean="0">
+                <a:latin typeface="+mj-lt"/>
+              </a:rPr>
+              <a:t>obstacles </a:t>
+            </a:r>
+            <a:r>
+              <a:rPr lang="en-GB" dirty="0">
+                <a:latin typeface="+mj-lt"/>
+              </a:rPr>
+              <a:t>and the first </a:t>
+            </a:r>
+            <a:r>
+              <a:rPr lang="en-GB" dirty="0" smtClean="0">
+                <a:latin typeface="+mj-lt"/>
+              </a:rPr>
+              <a:t>one to </a:t>
+            </a:r>
+            <a:r>
+              <a:rPr lang="en-GB" dirty="0">
+                <a:latin typeface="+mj-lt"/>
+              </a:rPr>
+              <a:t>eat their opponent, wins.</a:t>
             </a:r>
           </a:p>
         </p:txBody>
@@ -3983,6 +4419,13 @@
   <p:clrMapOvr>
     <a:masterClrMapping/>
   </p:clrMapOvr>
+  <p:timing>
+    <p:tnLst>
+      <p:par>
+        <p:cTn id="1" dur="indefinite" restart="never" nodeType="tmRoot"/>
+      </p:par>
+    </p:tnLst>
+  </p:timing>
 </p:sld>
 </file>
 
@@ -4063,22 +4506,28 @@
           </a:p>
           <a:p>
             <a:r>
-              <a:rPr lang="en-GB" dirty="0">
+              <a:rPr lang="en-GB" dirty="0" smtClean="0">
                 <a:latin typeface="+mj-lt"/>
               </a:rPr>
               <a:t>Fast paced, simultaneous gameplay which allows for social fun, </a:t>
             </a:r>
+            <a:endParaRPr lang="en-GB" dirty="0">
+              <a:latin typeface="+mj-lt"/>
+            </a:endParaRPr>
           </a:p>
           <a:p>
             <a:pPr marL="585216" lvl="1" indent="0">
               <a:buNone/>
             </a:pPr>
             <a:r>
-              <a:rPr lang="en-GB" dirty="0">
+              <a:rPr lang="en-GB" dirty="0" smtClean="0">
                 <a:latin typeface="+mj-lt"/>
               </a:rPr>
               <a:t>  </a:t>
             </a:r>
+            <a:endParaRPr lang="en-GB" dirty="0">
+              <a:latin typeface="+mj-lt"/>
+            </a:endParaRPr>
           </a:p>
           <a:p>
             <a:pPr lvl="1"/>
@@ -4144,6 +4593,13 @@
   <p:clrMapOvr>
     <a:masterClrMapping/>
   </p:clrMapOvr>
+  <p:timing>
+    <p:tnLst>
+      <p:par>
+        <p:cTn id="1" dur="indefinite" restart="never" nodeType="tmRoot"/>
+      </p:par>
+    </p:tnLst>
+  </p:timing>
 </p:sld>
 </file>
 
@@ -4182,9 +4638,312 @@
           <a:lstStyle/>
           <a:p>
             <a:r>
-              <a:rPr lang="en-GB" sz="5400" dirty="0"/>
+              <a:rPr lang="en-GB" sz="5400" dirty="0" smtClean="0"/>
+              <a:t>Research</a:t>
+            </a:r>
+            <a:endParaRPr lang="en-US" sz="5400" dirty="0"/>
+          </a:p>
+        </p:txBody>
+      </p:sp>
+      <p:sp>
+        <p:nvSpPr>
+          <p:cNvPr id="3" name="Rectangle 2"/>
+          <p:cNvSpPr/>
+          <p:nvPr/>
+        </p:nvSpPr>
+        <p:spPr>
+          <a:xfrm>
+            <a:off x="179512" y="1556792"/>
+            <a:ext cx="8507288" cy="4893647"/>
+          </a:xfrm>
+          <a:prstGeom prst="rect">
+            <a:avLst/>
+          </a:prstGeom>
+        </p:spPr>
+        <p:txBody>
+          <a:bodyPr wrap="square">
+            <a:spAutoFit/>
+          </a:bodyPr>
+          <a:lstStyle/>
+          <a:p>
+            <a:pPr marL="137160" indent="0">
+              <a:lnSpc>
+                <a:spcPct val="150000"/>
+              </a:lnSpc>
+              <a:buNone/>
+            </a:pPr>
+            <a:r>
+              <a:rPr lang="en-GB" sz="2800" dirty="0">
+                <a:latin typeface="+mj-lt"/>
+              </a:rPr>
+              <a:t>We </a:t>
+            </a:r>
+            <a:r>
+              <a:rPr lang="en-GB" sz="2800" dirty="0" smtClean="0">
+                <a:latin typeface="+mj-lt"/>
+              </a:rPr>
+              <a:t>researched </a:t>
+            </a:r>
+            <a:r>
+              <a:rPr lang="en-GB" sz="2800" dirty="0">
+                <a:latin typeface="+mj-lt"/>
+              </a:rPr>
+              <a:t>games and took inspiration from</a:t>
+            </a:r>
+            <a:r>
+              <a:rPr lang="en-GB" sz="2800" dirty="0" smtClean="0">
+                <a:latin typeface="+mj-lt"/>
+              </a:rPr>
+              <a:t>:</a:t>
+            </a:r>
+          </a:p>
+          <a:p>
+            <a:pPr marL="137160" indent="0">
+              <a:lnSpc>
+                <a:spcPct val="150000"/>
+              </a:lnSpc>
+              <a:buNone/>
+            </a:pPr>
+            <a:r>
+              <a:rPr lang="en-GB" sz="2400" dirty="0" smtClean="0">
+                <a:latin typeface="+mj-lt"/>
+              </a:rPr>
+              <a:t>http</a:t>
+            </a:r>
+            <a:r>
+              <a:rPr lang="en-GB" sz="2400" dirty="0">
+                <a:latin typeface="+mj-lt"/>
+              </a:rPr>
+              <a:t>://www.ologame.com</a:t>
+            </a:r>
+            <a:r>
+              <a:rPr lang="en-GB" sz="2400" dirty="0" smtClean="0">
+                <a:latin typeface="+mj-lt"/>
+              </a:rPr>
+              <a:t>/  </a:t>
+            </a:r>
+          </a:p>
+          <a:p>
+            <a:pPr marL="137160" indent="0">
+              <a:lnSpc>
+                <a:spcPct val="150000"/>
+              </a:lnSpc>
+              <a:buNone/>
+            </a:pPr>
+            <a:endParaRPr lang="en-GB" sz="2400" dirty="0" smtClean="0">
+              <a:latin typeface="+mj-lt"/>
+            </a:endParaRPr>
+          </a:p>
+          <a:p>
+            <a:pPr marL="137160" indent="0">
+              <a:lnSpc>
+                <a:spcPct val="150000"/>
+              </a:lnSpc>
+              <a:buNone/>
+            </a:pPr>
+            <a:r>
+              <a:rPr lang="en-GB" sz="2400" dirty="0">
+                <a:latin typeface="+mj-lt"/>
+              </a:rPr>
+              <a:t>https://</a:t>
+            </a:r>
+            <a:r>
+              <a:rPr lang="en-GB" sz="2400" dirty="0" smtClean="0">
+                <a:latin typeface="+mj-lt"/>
+              </a:rPr>
+              <a:t>itunes.apple.com/gb/app/circo/</a:t>
+            </a:r>
+            <a:endParaRPr lang="en-GB" sz="2400" dirty="0">
+              <a:latin typeface="+mj-lt"/>
+            </a:endParaRPr>
+          </a:p>
+          <a:p>
+            <a:pPr marL="137160" indent="0">
+              <a:lnSpc>
+                <a:spcPct val="150000"/>
+              </a:lnSpc>
+              <a:buNone/>
+            </a:pPr>
+            <a:endParaRPr lang="en-GB" sz="2400" dirty="0" smtClean="0">
+              <a:latin typeface="+mj-lt"/>
+            </a:endParaRPr>
+          </a:p>
+          <a:p>
+            <a:pPr marL="137160" indent="0">
+              <a:lnSpc>
+                <a:spcPct val="150000"/>
+              </a:lnSpc>
+              <a:buNone/>
+            </a:pPr>
+            <a:endParaRPr lang="en-GB" sz="2400" dirty="0">
+              <a:latin typeface="+mj-lt"/>
+            </a:endParaRPr>
+          </a:p>
+          <a:p>
+            <a:pPr marL="137160" indent="0">
+              <a:lnSpc>
+                <a:spcPct val="150000"/>
+              </a:lnSpc>
+              <a:buNone/>
+            </a:pPr>
+            <a:r>
+              <a:rPr lang="en-GB" sz="2400" dirty="0">
+                <a:latin typeface="+mj-lt"/>
+              </a:rPr>
+              <a:t>http://doodlejump.org/</a:t>
+            </a:r>
+          </a:p>
+        </p:txBody>
+      </p:sp>
+      <p:pic>
+        <p:nvPicPr>
+          <p:cNvPr id="4" name="Picture 3"/>
+          <p:cNvPicPr>
+            <a:picLocks noChangeAspect="1"/>
+          </p:cNvPicPr>
+          <p:nvPr/>
+        </p:nvPicPr>
+        <p:blipFill>
+          <a:blip r:embed="rId2">
+            <a:extLst>
+              <a:ext uri="{28A0092B-C50C-407E-A947-70E740481C1C}">
+                <a14:useLocalDpi xmlns:a14="http://schemas.microsoft.com/office/drawing/2010/main" val="0"/>
+              </a:ext>
+            </a:extLst>
+          </a:blip>
+          <a:stretch>
+            <a:fillRect/>
+          </a:stretch>
+        </p:blipFill>
+        <p:spPr>
+          <a:xfrm>
+            <a:off x="4932040" y="2287939"/>
+            <a:ext cx="1872208" cy="1051943"/>
+          </a:xfrm>
+          <a:prstGeom prst="rect">
+            <a:avLst/>
+          </a:prstGeom>
+        </p:spPr>
+      </p:pic>
+      <p:pic>
+        <p:nvPicPr>
+          <p:cNvPr id="5" name="Picture 4"/>
+          <p:cNvPicPr>
+            <a:picLocks noChangeAspect="1"/>
+          </p:cNvPicPr>
+          <p:nvPr/>
+        </p:nvPicPr>
+        <p:blipFill>
+          <a:blip r:embed="rId3" cstate="print">
+            <a:extLst>
+              <a:ext uri="{28A0092B-C50C-407E-A947-70E740481C1C}">
+                <a14:useLocalDpi xmlns:a14="http://schemas.microsoft.com/office/drawing/2010/main" val="0"/>
+              </a:ext>
+            </a:extLst>
+          </a:blip>
+          <a:stretch>
+            <a:fillRect/>
+          </a:stretch>
+        </p:blipFill>
+        <p:spPr>
+          <a:xfrm>
+            <a:off x="4283968" y="4984174"/>
+            <a:ext cx="2327920" cy="1735028"/>
+          </a:xfrm>
+          <a:prstGeom prst="rect">
+            <a:avLst/>
+          </a:prstGeom>
+        </p:spPr>
+      </p:pic>
+      <p:pic>
+        <p:nvPicPr>
+          <p:cNvPr id="6" name="Picture 5"/>
+          <p:cNvPicPr>
+            <a:picLocks noChangeAspect="1"/>
+          </p:cNvPicPr>
+          <p:nvPr/>
+        </p:nvPicPr>
+        <p:blipFill>
+          <a:blip r:embed="rId4" cstate="print">
+            <a:extLst>
+              <a:ext uri="{28A0092B-C50C-407E-A947-70E740481C1C}">
+                <a14:useLocalDpi xmlns:a14="http://schemas.microsoft.com/office/drawing/2010/main" val="0"/>
+              </a:ext>
+            </a:extLst>
+          </a:blip>
+          <a:stretch>
+            <a:fillRect/>
+          </a:stretch>
+        </p:blipFill>
+        <p:spPr>
+          <a:xfrm>
+            <a:off x="7313895" y="3573016"/>
+            <a:ext cx="1283759" cy="2278672"/>
+          </a:xfrm>
+          <a:prstGeom prst="rect">
+            <a:avLst/>
+          </a:prstGeom>
+        </p:spPr>
+      </p:pic>
+    </p:spTree>
+    <p:extLst>
+      <p:ext uri="{BB962C8B-B14F-4D97-AF65-F5344CB8AC3E}">
+        <p14:creationId xmlns:p14="http://schemas.microsoft.com/office/powerpoint/2010/main" val="1426530202"/>
+      </p:ext>
+    </p:extLst>
+  </p:cSld>
+  <p:clrMapOvr>
+    <a:masterClrMapping/>
+  </p:clrMapOvr>
+  <p:timing>
+    <p:tnLst>
+      <p:par>
+        <p:cTn id="1" dur="indefinite" restart="never" nodeType="tmRoot"/>
+      </p:par>
+    </p:tnLst>
+  </p:timing>
+</p:sld>
+</file>
+
+<file path=ppt/slides/slide5.xml><?xml version="1.0" encoding="utf-8"?>
+<p:sld xmlns:a="http://schemas.openxmlformats.org/drawingml/2006/main" xmlns:r="http://schemas.openxmlformats.org/officeDocument/2006/relationships" xmlns:p="http://schemas.openxmlformats.org/presentationml/2006/main">
+  <p:cSld>
+    <p:spTree>
+      <p:nvGrpSpPr>
+        <p:cNvPr id="1" name=""/>
+        <p:cNvGrpSpPr/>
+        <p:nvPr/>
+      </p:nvGrpSpPr>
+      <p:grpSpPr>
+        <a:xfrm>
+          <a:off x="0" y="0"/>
+          <a:ext cx="0" cy="0"/>
+          <a:chOff x="0" y="0"/>
+          <a:chExt cx="0" cy="0"/>
+        </a:xfrm>
+      </p:grpSpPr>
+      <p:sp>
+        <p:nvSpPr>
+          <p:cNvPr id="2" name="Title 1"/>
+          <p:cNvSpPr>
+            <a:spLocks noGrp="1"/>
+          </p:cNvSpPr>
+          <p:nvPr>
+            <p:ph type="title"/>
+          </p:nvPr>
+        </p:nvSpPr>
+        <p:spPr/>
+        <p:txBody>
+          <a:bodyPr>
+            <a:normAutofit/>
+          </a:bodyPr>
+          <a:lstStyle/>
+          <a:p>
+            <a:r>
+              <a:rPr lang="en-GB" sz="5400" dirty="0" smtClean="0"/>
               <a:t>Mechanics and Assets</a:t>
             </a:r>
+            <a:endParaRPr lang="en-GB" sz="5400" dirty="0"/>
           </a:p>
         </p:txBody>
       </p:sp>
@@ -4213,24 +4972,27 @@
             <a:pPr marL="265176" indent="0">
               <a:buNone/>
             </a:pPr>
+            <a:endParaRPr lang="en-GB" sz="11100" dirty="0" smtClean="0">
+              <a:latin typeface="+mj-lt"/>
+            </a:endParaRPr>
+          </a:p>
+          <a:p>
+            <a:pPr marL="265176" indent="0">
+              <a:buNone/>
+            </a:pPr>
+            <a:r>
+              <a:rPr lang="en-GB" sz="11100" dirty="0" smtClean="0">
+                <a:latin typeface="+mj-lt"/>
+              </a:rPr>
+              <a:t>Game Play</a:t>
+            </a:r>
             <a:endParaRPr lang="en-GB" sz="11100" dirty="0">
               <a:latin typeface="+mj-lt"/>
             </a:endParaRPr>
           </a:p>
           <a:p>
-            <a:pPr marL="265176" indent="0">
-              <a:buNone/>
-            </a:pPr>
-            <a:r>
-              <a:rPr lang="en-GB" sz="11100" dirty="0">
-                <a:latin typeface="+mj-lt"/>
-              </a:rPr>
-              <a:t>Game Play</a:t>
-            </a:r>
-          </a:p>
-          <a:p>
-            <a:r>
-              <a:rPr lang="en-GB" sz="9800" dirty="0">
+            <a:r>
+              <a:rPr lang="en-GB" sz="9800" dirty="0" smtClean="0">
                 <a:latin typeface="+mj-lt"/>
               </a:rPr>
               <a:t>Scoring</a:t>
@@ -4238,15 +5000,18 @@
           </a:p>
           <a:p>
             <a:r>
-              <a:rPr lang="en-GB" sz="9800" dirty="0">
+              <a:rPr lang="en-GB" sz="9800" dirty="0" smtClean="0">
                 <a:latin typeface="+mj-lt"/>
               </a:rPr>
               <a:t>Eating/Absorbing</a:t>
             </a:r>
-          </a:p>
-          <a:p>
-            <a:r>
-              <a:rPr lang="en-GB" sz="9800" dirty="0">
+            <a:endParaRPr lang="en-GB" sz="9800" dirty="0">
+              <a:latin typeface="+mj-lt"/>
+            </a:endParaRPr>
+          </a:p>
+          <a:p>
+            <a:r>
+              <a:rPr lang="en-GB" sz="9800" dirty="0" smtClean="0">
                 <a:latin typeface="+mj-lt"/>
               </a:rPr>
               <a:t>Strategizing </a:t>
@@ -4272,7 +5037,7 @@
             <a:pPr marL="265176" indent="0">
               <a:buNone/>
             </a:pPr>
-            <a:endParaRPr lang="en-GB" sz="11100" dirty="0">
+            <a:endParaRPr lang="en-GB" sz="11100" dirty="0" smtClean="0">
               <a:latin typeface="+mj-lt"/>
             </a:endParaRPr>
           </a:p>
@@ -4289,16 +5054,19 @@
               <a:buNone/>
             </a:pPr>
             <a:r>
-              <a:rPr lang="en-GB" sz="10200" dirty="0">
+              <a:rPr lang="en-GB" sz="10200" dirty="0" smtClean="0">
                 <a:latin typeface="+mj-lt"/>
               </a:rPr>
               <a:t>	Obstacles</a:t>
             </a:r>
+            <a:endParaRPr lang="en-GB" sz="10200" dirty="0">
+              <a:latin typeface="+mj-lt"/>
+            </a:endParaRPr>
           </a:p>
           <a:p>
             <a:pPr lvl="1"/>
             <a:r>
-              <a:rPr lang="en-GB" sz="9800" dirty="0">
+              <a:rPr lang="en-GB" sz="9800" dirty="0" smtClean="0">
                 <a:latin typeface="+mj-lt"/>
               </a:rPr>
               <a:t>Branches</a:t>
@@ -4307,17 +5075,20 @@
           <a:p>
             <a:pPr lvl="1"/>
             <a:r>
-              <a:rPr lang="en-GB" sz="9800" dirty="0">
+              <a:rPr lang="en-GB" sz="9800" dirty="0" smtClean="0">
                 <a:latin typeface="+mj-lt"/>
               </a:rPr>
               <a:t>Fish/ Urchins</a:t>
             </a:r>
+            <a:endParaRPr lang="en-GB" sz="9800" dirty="0">
+              <a:latin typeface="+mj-lt"/>
+            </a:endParaRPr>
           </a:p>
           <a:p>
             <a:pPr marL="585216" lvl="1" indent="0">
               <a:buNone/>
             </a:pPr>
-            <a:endParaRPr lang="en-GB" sz="8000" dirty="0">
+            <a:endParaRPr lang="en-GB" sz="8000" dirty="0" smtClean="0">
               <a:latin typeface="+mj-lt"/>
             </a:endParaRPr>
           </a:p>
@@ -4619,172 +5390,13 @@
   <p:clrMapOvr>
     <a:masterClrMapping/>
   </p:clrMapOvr>
-</p:sld>
-</file>
-
-<file path=ppt/slides/slide5.xml><?xml version="1.0" encoding="utf-8"?>
-<p:sld xmlns:a="http://schemas.openxmlformats.org/drawingml/2006/main" xmlns:r="http://schemas.openxmlformats.org/officeDocument/2006/relationships" xmlns:p="http://schemas.openxmlformats.org/presentationml/2006/main">
-  <p:cSld>
-    <p:spTree>
-      <p:nvGrpSpPr>
-        <p:cNvPr id="1" name=""/>
-        <p:cNvGrpSpPr/>
-        <p:nvPr/>
-      </p:nvGrpSpPr>
-      <p:grpSpPr>
-        <a:xfrm>
-          <a:off x="0" y="0"/>
-          <a:ext cx="0" cy="0"/>
-          <a:chOff x="0" y="0"/>
-          <a:chExt cx="0" cy="0"/>
-        </a:xfrm>
-      </p:grpSpPr>
-      <p:sp>
-        <p:nvSpPr>
-          <p:cNvPr id="2" name="Title 1"/>
-          <p:cNvSpPr>
-            <a:spLocks noGrp="1"/>
-          </p:cNvSpPr>
-          <p:nvPr>
-            <p:ph type="title"/>
-          </p:nvPr>
-        </p:nvSpPr>
-        <p:spPr/>
-        <p:txBody>
-          <a:bodyPr>
-            <a:normAutofit/>
-          </a:bodyPr>
-          <a:lstStyle/>
-          <a:p>
-            <a:r>
-              <a:rPr lang="en-GB" sz="5400" dirty="0"/>
-              <a:t>Research</a:t>
-            </a:r>
-            <a:endParaRPr lang="en-US" sz="5400" dirty="0"/>
-          </a:p>
-        </p:txBody>
-      </p:sp>
-      <p:sp>
-        <p:nvSpPr>
-          <p:cNvPr id="3" name="Rectangle 2"/>
-          <p:cNvSpPr/>
-          <p:nvPr/>
-        </p:nvSpPr>
-        <p:spPr>
-          <a:xfrm>
-            <a:off x="179512" y="1556792"/>
-            <a:ext cx="8507288" cy="4985980"/>
-          </a:xfrm>
-          <a:prstGeom prst="rect">
-            <a:avLst/>
-          </a:prstGeom>
-        </p:spPr>
-        <p:txBody>
-          <a:bodyPr wrap="square">
-            <a:spAutoFit/>
-          </a:bodyPr>
-          <a:lstStyle/>
-          <a:p>
-            <a:pPr marL="137160" indent="0">
-              <a:lnSpc>
-                <a:spcPct val="150000"/>
-              </a:lnSpc>
-              <a:buNone/>
-            </a:pPr>
-            <a:r>
-              <a:rPr lang="en-GB" sz="2800" dirty="0">
-                <a:latin typeface="+mj-lt"/>
-              </a:rPr>
-              <a:t>We have researched games and took inspiration from:</a:t>
-            </a:r>
-          </a:p>
-          <a:p>
-            <a:pPr marL="137160" indent="0">
-              <a:lnSpc>
-                <a:spcPct val="150000"/>
-              </a:lnSpc>
-              <a:buNone/>
-            </a:pPr>
-            <a:endParaRPr lang="en-GB" sz="2400" dirty="0">
-              <a:latin typeface="+mj-lt"/>
-            </a:endParaRPr>
-          </a:p>
-          <a:p>
-            <a:pPr marL="137160" indent="0">
-              <a:lnSpc>
-                <a:spcPct val="150000"/>
-              </a:lnSpc>
-              <a:buNone/>
-            </a:pPr>
-            <a:r>
-              <a:rPr lang="en-GB" sz="2800" dirty="0">
-                <a:latin typeface="+mj-lt"/>
-              </a:rPr>
-              <a:t>http://www.ologame.com/ </a:t>
-            </a:r>
-          </a:p>
-          <a:p>
-            <a:pPr marL="137160" indent="0">
-              <a:lnSpc>
-                <a:spcPct val="150000"/>
-              </a:lnSpc>
-              <a:buNone/>
-            </a:pPr>
-            <a:endParaRPr lang="en-GB" sz="2400" dirty="0">
-              <a:latin typeface="+mj-lt"/>
-            </a:endParaRPr>
-          </a:p>
-          <a:p>
-            <a:pPr marL="137160" indent="0">
-              <a:lnSpc>
-                <a:spcPct val="150000"/>
-              </a:lnSpc>
-              <a:buNone/>
-            </a:pPr>
-            <a:r>
-              <a:rPr lang="en-GB" sz="2800" dirty="0">
-                <a:latin typeface="+mj-lt"/>
-              </a:rPr>
-              <a:t>http://www.newgrounds.com/</a:t>
-            </a:r>
-          </a:p>
-          <a:p>
-            <a:pPr marL="137160" indent="0">
-              <a:lnSpc>
-                <a:spcPct val="150000"/>
-              </a:lnSpc>
-              <a:buNone/>
-            </a:pPr>
-            <a:endParaRPr lang="en-GB" sz="2400" dirty="0">
-              <a:latin typeface="+mj-lt"/>
-            </a:endParaRPr>
-          </a:p>
-          <a:p>
-            <a:pPr marL="137160" indent="0">
-              <a:lnSpc>
-                <a:spcPct val="150000"/>
-              </a:lnSpc>
-              <a:buNone/>
-            </a:pPr>
-            <a:r>
-              <a:rPr lang="en-GB" sz="2800" dirty="0">
-                <a:latin typeface="+mj-lt"/>
-              </a:rPr>
-              <a:t>http://doodlejump.org/</a:t>
-            </a:r>
-          </a:p>
-        </p:txBody>
-      </p:sp>
-    </p:spTree>
-    <p:extLst>
-      <p:ext uri="{BB962C8B-B14F-4D97-AF65-F5344CB8AC3E}">
-        <p14:creationId xmlns:p14="http://schemas.microsoft.com/office/powerpoint/2010/main" val="1426530202"/>
-      </p:ext>
-    </p:extLst>
-  </p:cSld>
-  <p:clrMapOvr>
-    <a:masterClrMapping/>
-  </p:clrMapOvr>
+  <p:timing>
+    <p:tnLst>
+      <p:par>
+        <p:cTn id="1" dur="indefinite" restart="never" nodeType="tmRoot"/>
+      </p:par>
+    </p:tnLst>
+  </p:timing>
 </p:sld>
 </file>
 
@@ -4847,60 +5459,52 @@
           <a:lstStyle/>
           <a:p>
             <a:r>
+              <a:rPr lang="en-GB" sz="3200" dirty="0" smtClean="0">
+                <a:latin typeface="+mj-lt"/>
+              </a:rPr>
+              <a:t>Buoyancy:</a:t>
+            </a:r>
+          </a:p>
+          <a:p>
+            <a:pPr marL="137160" indent="0">
+              <a:buNone/>
+            </a:pPr>
+            <a:r>
+              <a:rPr lang="en-GB" sz="3200" dirty="0" smtClean="0">
+                <a:latin typeface="+mj-lt"/>
+              </a:rPr>
+              <a:t>	We aim to create a game where buoyancy drives the physics and creates unpredictability.</a:t>
+            </a:r>
+          </a:p>
+          <a:p>
+            <a:pPr marL="137160" indent="0">
+              <a:buNone/>
+            </a:pPr>
+            <a:r>
               <a:rPr lang="en-GB" sz="3200" dirty="0">
                 <a:latin typeface="+mj-lt"/>
               </a:rPr>
-              <a:t>Buoyancy</a:t>
-            </a:r>
-          </a:p>
-          <a:p>
-            <a:endParaRPr lang="en-GB" sz="3200" dirty="0">
+              <a:t>	</a:t>
+            </a:r>
+            <a:endParaRPr lang="en-GB" sz="3200" dirty="0" smtClean="0">
               <a:latin typeface="+mj-lt"/>
             </a:endParaRPr>
           </a:p>
           <a:p>
-            <a:r>
-              <a:rPr lang="en-GB" sz="3200" b="1" dirty="0">
-                <a:latin typeface="+mj-lt"/>
-              </a:rPr>
-              <a:t>Iterations</a:t>
-            </a:r>
-          </a:p>
-          <a:p>
-            <a:pPr lvl="1"/>
-            <a:r>
-              <a:rPr lang="en-GB" b="1" dirty="0">
-                <a:latin typeface="+mj-lt"/>
-              </a:rPr>
-              <a:t>Was a game of skill</a:t>
-            </a:r>
-          </a:p>
-          <a:p>
-            <a:pPr lvl="1"/>
-            <a:r>
-              <a:rPr lang="en-GB" b="1" dirty="0">
-                <a:latin typeface="+mj-lt"/>
-              </a:rPr>
-              <a:t>Spawning of obstacles</a:t>
-            </a:r>
-          </a:p>
-          <a:p>
-            <a:pPr lvl="1"/>
-            <a:r>
-              <a:rPr lang="en-GB" b="1" dirty="0">
-                <a:latin typeface="+mj-lt"/>
-              </a:rPr>
-              <a:t>Grabbing mechanic, adds unpredictability</a:t>
-            </a:r>
-          </a:p>
-          <a:p>
-            <a:pPr lvl="1"/>
-            <a:r>
-              <a:rPr lang="en-GB" b="1" dirty="0">
-                <a:latin typeface="+mj-lt"/>
-              </a:rPr>
-              <a:t>Thruster, can be improved on movement, so its not as predictable</a:t>
-            </a:r>
+            <a:pPr marL="137160" indent="0">
+              <a:buNone/>
+            </a:pPr>
+            <a:r>
+              <a:rPr lang="en-GB" sz="3200" dirty="0">
+                <a:latin typeface="+mj-lt"/>
+              </a:rPr>
+              <a:t>	</a:t>
+            </a:r>
+          </a:p>
+          <a:p>
+            <a:endParaRPr lang="en-GB" sz="3200" dirty="0" smtClean="0">
+              <a:latin typeface="+mj-lt"/>
+            </a:endParaRPr>
           </a:p>
         </p:txBody>
       </p:sp>
@@ -4909,6 +5513,13 @@
   <p:clrMapOvr>
     <a:masterClrMapping/>
   </p:clrMapOvr>
+  <p:timing>
+    <p:tnLst>
+      <p:par>
+        <p:cTn id="1" dur="indefinite" restart="never" nodeType="tmRoot"/>
+      </p:par>
+    </p:tnLst>
+  </p:timing>
 </p:sld>
 </file>
 
@@ -4939,108 +5550,147 @@
             <p:ph type="title"/>
           </p:nvPr>
         </p:nvSpPr>
-        <p:spPr/>
-        <p:txBody>
-          <a:bodyPr/>
-          <a:lstStyle/>
-          <a:p>
-            <a:r>
-              <a:rPr lang="en-GB" sz="5400" dirty="0"/>
-              <a:t>Emotions</a:t>
-            </a:r>
-          </a:p>
-        </p:txBody>
-      </p:sp>
-      <p:sp>
-        <p:nvSpPr>
-          <p:cNvPr id="3" name="Content Placeholder 2"/>
-          <p:cNvSpPr>
-            <a:spLocks noGrp="1"/>
-          </p:cNvSpPr>
-          <p:nvPr>
-            <p:ph idx="1"/>
-          </p:nvPr>
-        </p:nvSpPr>
         <p:spPr>
           <a:xfrm>
-            <a:off x="445892" y="1268760"/>
-            <a:ext cx="8229600" cy="5112568"/>
+            <a:off x="827584" y="260648"/>
+            <a:ext cx="7787208" cy="1307232"/>
           </a:xfrm>
         </p:spPr>
         <p:txBody>
+          <a:bodyPr/>
+          <a:lstStyle/>
+          <a:p>
+            <a:pPr algn="ctr"/>
+            <a:r>
+              <a:rPr lang="en-GB" sz="6600" dirty="0" smtClean="0"/>
+              <a:t>Iterations</a:t>
+            </a:r>
+            <a:endParaRPr lang="en-US" sz="6600" dirty="0"/>
+          </a:p>
+        </p:txBody>
+      </p:sp>
+      <p:sp>
+        <p:nvSpPr>
+          <p:cNvPr id="3" name="Text Placeholder 2"/>
+          <p:cNvSpPr>
+            <a:spLocks noGrp="1"/>
+          </p:cNvSpPr>
+          <p:nvPr>
+            <p:ph type="body" idx="1"/>
+          </p:nvPr>
+        </p:nvSpPr>
+        <p:spPr>
+          <a:xfrm>
+            <a:off x="107504" y="1772816"/>
+            <a:ext cx="8579296" cy="4752528"/>
+          </a:xfrm>
+        </p:spPr>
+        <p:txBody>
           <a:bodyPr>
-            <a:normAutofit fontScale="92500" lnSpcReduction="20000"/>
+            <a:normAutofit/>
           </a:bodyPr>
           <a:lstStyle/>
           <a:p>
-            <a:pPr marL="137160" indent="0">
-              <a:buNone/>
+            <a:pPr marL="1042416" lvl="1" indent="-457200">
+              <a:buFont typeface="Wingdings" panose="05000000000000000000" pitchFamily="2" charset="2"/>
+              <a:buChar char="§"/>
             </a:pPr>
-            <a:endParaRPr lang="en-GB" dirty="0">
+            <a:r>
+              <a:rPr lang="en-GB" sz="2800" b="1" dirty="0" smtClean="0">
+                <a:latin typeface="+mj-lt"/>
+              </a:rPr>
+              <a:t>It was </a:t>
+            </a:r>
+            <a:r>
+              <a:rPr lang="en-GB" sz="2800" b="1" dirty="0">
+                <a:latin typeface="+mj-lt"/>
+              </a:rPr>
+              <a:t>a game of </a:t>
+            </a:r>
+            <a:r>
+              <a:rPr lang="en-GB" sz="2800" b="1" dirty="0" smtClean="0">
+                <a:latin typeface="+mj-lt"/>
+              </a:rPr>
+              <a:t>skill</a:t>
+            </a:r>
+          </a:p>
+          <a:p>
+            <a:pPr marL="585216" lvl="1" indent="0"/>
+            <a:endParaRPr lang="en-GB" sz="2800" b="1" dirty="0">
               <a:latin typeface="+mj-lt"/>
             </a:endParaRPr>
           </a:p>
           <a:p>
-            <a:r>
-              <a:rPr lang="en-GB" dirty="0">
-                <a:latin typeface="+mj-lt"/>
-              </a:rPr>
-              <a:t>Competitiveness: Giving the winner bragging rights</a:t>
-            </a:r>
-          </a:p>
-          <a:p>
-            <a:pPr marL="137160" lvl="0" indent="0">
-              <a:buNone/>
+            <a:pPr marL="1042416" lvl="1" indent="-457200">
+              <a:buFont typeface="Wingdings" panose="05000000000000000000" pitchFamily="2" charset="2"/>
+              <a:buChar char="§"/>
             </a:pPr>
-            <a:endParaRPr lang="en-GB" dirty="0">
+            <a:r>
+              <a:rPr lang="en-GB" sz="2800" b="1" dirty="0">
+                <a:latin typeface="+mj-lt"/>
+              </a:rPr>
+              <a:t>Spawning of </a:t>
+            </a:r>
+            <a:r>
+              <a:rPr lang="en-GB" sz="2800" b="1" dirty="0" smtClean="0">
+                <a:latin typeface="+mj-lt"/>
+              </a:rPr>
+              <a:t>obstacles</a:t>
+            </a:r>
+          </a:p>
+          <a:p>
+            <a:pPr marL="585216" lvl="1" indent="0"/>
+            <a:endParaRPr lang="en-GB" sz="2800" b="1" dirty="0">
               <a:latin typeface="+mj-lt"/>
             </a:endParaRPr>
           </a:p>
           <a:p>
-            <a:pPr lvl="0"/>
-            <a:r>
-              <a:rPr lang="en-GB" dirty="0">
-                <a:latin typeface="+mj-lt"/>
-              </a:rPr>
-              <a:t>Struggle: Race to gain higher score, to avoid obstacle.</a:t>
-            </a:r>
-          </a:p>
-          <a:p>
-            <a:pPr lvl="0"/>
-            <a:endParaRPr lang="en-GB" dirty="0">
+            <a:pPr marL="1042416" lvl="1" indent="-457200">
+              <a:buFont typeface="Wingdings" panose="05000000000000000000" pitchFamily="2" charset="2"/>
+              <a:buChar char="§"/>
+            </a:pPr>
+            <a:r>
+              <a:rPr lang="en-GB" sz="2800" b="1" dirty="0">
+                <a:latin typeface="+mj-lt"/>
+              </a:rPr>
+              <a:t>Grabbing mechanic, adds </a:t>
+            </a:r>
+            <a:r>
+              <a:rPr lang="en-GB" sz="2800" b="1" dirty="0" smtClean="0">
+                <a:latin typeface="+mj-lt"/>
+              </a:rPr>
+              <a:t>unpredictability</a:t>
+            </a:r>
+          </a:p>
+          <a:p>
+            <a:pPr marL="585216" lvl="1" indent="0"/>
+            <a:endParaRPr lang="en-GB" sz="2800" b="1" dirty="0">
               <a:latin typeface="+mj-lt"/>
             </a:endParaRPr>
           </a:p>
           <a:p>
-            <a:pPr lvl="0"/>
-            <a:r>
-              <a:rPr lang="en-GB" dirty="0">
-                <a:latin typeface="+mj-lt"/>
-              </a:rPr>
-              <a:t>Strategy: Plan to position obstacles to hinder opponent. </a:t>
-            </a:r>
-          </a:p>
-          <a:p>
-            <a:pPr lvl="0"/>
-            <a:endParaRPr lang="en-GB" dirty="0">
-              <a:latin typeface="+mj-lt"/>
-            </a:endParaRPr>
-          </a:p>
-          <a:p>
-            <a:pPr lvl="0"/>
-            <a:r>
-              <a:rPr lang="en-GB" dirty="0">
-                <a:latin typeface="+mj-lt"/>
-              </a:rPr>
-              <a:t>Aggressiveness: Game requires players to concentrate on attacking as well as defending their environment.</a:t>
-            </a:r>
-          </a:p>
-          <a:p>
-            <a:endParaRPr lang="en-GB" dirty="0"/>
+            <a:pPr marL="1042416" lvl="1" indent="-457200">
+              <a:buFont typeface="Wingdings" panose="05000000000000000000" pitchFamily="2" charset="2"/>
+              <a:buChar char="§"/>
+            </a:pPr>
+            <a:r>
+              <a:rPr lang="en-GB" sz="2800" b="1" dirty="0">
+                <a:latin typeface="+mj-lt"/>
+              </a:rPr>
+              <a:t>Thruster, can be improved on movement, so its not as predictable</a:t>
+            </a:r>
+          </a:p>
+          <a:p>
+            <a:endParaRPr lang="en-US" dirty="0"/>
           </a:p>
         </p:txBody>
       </p:sp>
     </p:spTree>
+    <p:extLst>
+      <p:ext uri="{BB962C8B-B14F-4D97-AF65-F5344CB8AC3E}">
+        <p14:creationId xmlns:p14="http://schemas.microsoft.com/office/powerpoint/2010/main" val="1563659870"/>
+      </p:ext>
+    </p:extLst>
   </p:cSld>
   <p:clrMapOvr>
     <a:masterClrMapping/>
@@ -5077,91 +5727,113 @@
         </p:nvSpPr>
         <p:spPr/>
         <p:txBody>
+          <a:bodyPr/>
+          <a:lstStyle/>
+          <a:p>
+            <a:r>
+              <a:rPr lang="en-GB" sz="5400" dirty="0"/>
+              <a:t>Emotions</a:t>
+            </a:r>
+          </a:p>
+        </p:txBody>
+      </p:sp>
+      <p:sp>
+        <p:nvSpPr>
+          <p:cNvPr id="3" name="Content Placeholder 2"/>
+          <p:cNvSpPr>
+            <a:spLocks noGrp="1"/>
+          </p:cNvSpPr>
+          <p:nvPr>
+            <p:ph idx="1"/>
+          </p:nvPr>
+        </p:nvSpPr>
+        <p:spPr>
+          <a:xfrm>
+            <a:off x="445892" y="1268760"/>
+            <a:ext cx="8229600" cy="5112568"/>
+          </a:xfrm>
+        </p:spPr>
+        <p:txBody>
           <a:bodyPr>
-            <a:normAutofit/>
+            <a:normAutofit fontScale="92500" lnSpcReduction="20000"/>
           </a:bodyPr>
           <a:lstStyle/>
           <a:p>
-            <a:r>
-              <a:rPr lang="en-GB" sz="5400" dirty="0"/>
-              <a:t>Game Specifics</a:t>
-            </a:r>
-          </a:p>
-        </p:txBody>
-      </p:sp>
-      <p:sp>
-        <p:nvSpPr>
-          <p:cNvPr id="3" name="Content Placeholder 2"/>
-          <p:cNvSpPr>
-            <a:spLocks noGrp="1"/>
-          </p:cNvSpPr>
-          <p:nvPr>
-            <p:ph idx="1"/>
-          </p:nvPr>
-        </p:nvSpPr>
-        <p:spPr/>
-        <p:txBody>
-          <a:bodyPr/>
-          <a:lstStyle/>
-          <a:p>
-            <a:r>
-              <a:rPr lang="en-GB" dirty="0">
-                <a:latin typeface="+mj-lt"/>
-              </a:rPr>
-              <a:t>Bragging Rights</a:t>
-            </a:r>
-          </a:p>
-          <a:p>
+            <a:pPr marL="137160" indent="0">
+              <a:buNone/>
+            </a:pPr>
+            <a:endParaRPr lang="en-GB" dirty="0" smtClean="0">
+              <a:latin typeface="+mj-lt"/>
+            </a:endParaRPr>
+          </a:p>
+          <a:p>
+            <a:r>
+              <a:rPr lang="en-GB" dirty="0" smtClean="0">
+                <a:latin typeface="+mj-lt"/>
+              </a:rPr>
+              <a:t>Competitiveness: Giving the winner bragging rights</a:t>
+            </a:r>
             <a:endParaRPr lang="en-GB" dirty="0">
               <a:latin typeface="+mj-lt"/>
             </a:endParaRPr>
           </a:p>
           <a:p>
-            <a:r>
-              <a:rPr lang="en-GB" dirty="0">
-                <a:latin typeface="+mj-lt"/>
-              </a:rPr>
-              <a:t>Unlimited supply of items</a:t>
-            </a:r>
-          </a:p>
-          <a:p>
-            <a:pPr lvl="1"/>
-            <a:r>
-              <a:rPr lang="en-GB" sz="2800" dirty="0">
-                <a:latin typeface="+mj-lt"/>
-              </a:rPr>
-              <a:t>Race to use the item</a:t>
-            </a:r>
-          </a:p>
-          <a:p>
-            <a:pPr lvl="1"/>
-            <a:endParaRPr lang="en-GB" sz="2800" dirty="0">
+            <a:pPr marL="137160" lvl="0" indent="0">
+              <a:buNone/>
+            </a:pPr>
+            <a:endParaRPr lang="en-GB" dirty="0">
               <a:latin typeface="+mj-lt"/>
             </a:endParaRPr>
           </a:p>
           <a:p>
-            <a:r>
-              <a:rPr lang="en-GB" dirty="0">
-                <a:latin typeface="+mj-lt"/>
-              </a:rPr>
-              <a:t>Conflict/ Rivalry</a:t>
-            </a:r>
-          </a:p>
-          <a:p>
-            <a:pPr lvl="1"/>
-            <a:r>
-              <a:rPr lang="en-GB" sz="2800" dirty="0">
-                <a:latin typeface="+mj-lt"/>
-              </a:rPr>
-              <a:t>Players can bump the obstacles</a:t>
-            </a:r>
-          </a:p>
-          <a:p>
-            <a:pPr lvl="1"/>
-            <a:endParaRPr lang="en-GB" dirty="0"/>
-          </a:p>
-          <a:p>
-            <a:pPr lvl="2"/>
+            <a:pPr lvl="0"/>
+            <a:r>
+              <a:rPr lang="en-GB" dirty="0" smtClean="0">
+                <a:latin typeface="+mj-lt"/>
+              </a:rPr>
+              <a:t>Struggle: Race to gain higher score, to avoid obstacle.</a:t>
+            </a:r>
+            <a:endParaRPr lang="en-GB" dirty="0">
+              <a:latin typeface="+mj-lt"/>
+            </a:endParaRPr>
+          </a:p>
+          <a:p>
+            <a:pPr lvl="0"/>
+            <a:endParaRPr lang="en-GB" dirty="0">
+              <a:latin typeface="+mj-lt"/>
+            </a:endParaRPr>
+          </a:p>
+          <a:p>
+            <a:pPr lvl="0"/>
+            <a:r>
+              <a:rPr lang="en-GB" dirty="0" smtClean="0">
+                <a:latin typeface="+mj-lt"/>
+              </a:rPr>
+              <a:t>Strategy: Plan to position obstacles to hinder opponent. </a:t>
+            </a:r>
+            <a:endParaRPr lang="en-GB" dirty="0">
+              <a:latin typeface="+mj-lt"/>
+            </a:endParaRPr>
+          </a:p>
+          <a:p>
+            <a:pPr lvl="0"/>
+            <a:endParaRPr lang="en-GB" dirty="0">
+              <a:latin typeface="+mj-lt"/>
+            </a:endParaRPr>
+          </a:p>
+          <a:p>
+            <a:pPr lvl="0"/>
+            <a:r>
+              <a:rPr lang="en-GB" dirty="0" smtClean="0">
+                <a:latin typeface="+mj-lt"/>
+              </a:rPr>
+              <a:t>Aggressiveness: Game requires players to concentrate on attacking as well as defending their environment.</a:t>
+            </a:r>
+            <a:endParaRPr lang="en-GB" dirty="0">
+              <a:latin typeface="+mj-lt"/>
+            </a:endParaRPr>
+          </a:p>
+          <a:p>
             <a:endParaRPr lang="en-GB" dirty="0"/>
           </a:p>
         </p:txBody>
@@ -5171,6 +5843,13 @@
   <p:clrMapOvr>
     <a:masterClrMapping/>
   </p:clrMapOvr>
+  <p:timing>
+    <p:tnLst>
+      <p:par>
+        <p:cTn id="1" dur="indefinite" restart="never" nodeType="tmRoot"/>
+      </p:par>
+    </p:tnLst>
+  </p:timing>
 </p:sld>
 </file>
 
@@ -5203,49 +5882,38 @@
         </p:nvSpPr>
         <p:spPr/>
         <p:txBody>
+          <a:bodyPr>
+            <a:normAutofit/>
+          </a:bodyPr>
+          <a:lstStyle/>
+          <a:p>
+            <a:r>
+              <a:rPr lang="en-GB" sz="5400" dirty="0"/>
+              <a:t>Game Specifics</a:t>
+            </a:r>
+          </a:p>
+        </p:txBody>
+      </p:sp>
+      <p:sp>
+        <p:nvSpPr>
+          <p:cNvPr id="3" name="Content Placeholder 2"/>
+          <p:cNvSpPr>
+            <a:spLocks noGrp="1"/>
+          </p:cNvSpPr>
+          <p:nvPr>
+            <p:ph idx="1"/>
+          </p:nvPr>
+        </p:nvSpPr>
+        <p:spPr/>
+        <p:txBody>
           <a:bodyPr/>
           <a:lstStyle/>
           <a:p>
             <a:r>
-              <a:rPr lang="en-GB" sz="5400" dirty="0"/>
-              <a:t>Theme</a:t>
-            </a:r>
-          </a:p>
-        </p:txBody>
-      </p:sp>
-      <p:sp>
-        <p:nvSpPr>
-          <p:cNvPr id="5" name="Content Placeholder 2"/>
-          <p:cNvSpPr>
-            <a:spLocks noGrp="1"/>
-          </p:cNvSpPr>
-          <p:nvPr>
-            <p:ph idx="1"/>
-          </p:nvPr>
-        </p:nvSpPr>
-        <p:spPr>
-          <a:xfrm>
-            <a:off x="457200" y="1340768"/>
-            <a:ext cx="8229600" cy="4968592"/>
-          </a:xfrm>
-        </p:spPr>
-        <p:txBody>
-          <a:bodyPr/>
-          <a:lstStyle/>
-          <a:p>
-            <a:r>
               <a:rPr lang="en-GB" dirty="0">
                 <a:latin typeface="+mj-lt"/>
               </a:rPr>
-              <a:t>Bubbles and underwater scenes</a:t>
-            </a:r>
-          </a:p>
-          <a:p>
-            <a:r>
-              <a:rPr lang="en-GB" dirty="0">
-                <a:latin typeface="+mj-lt"/>
-              </a:rPr>
-              <a:t>Solid Colours </a:t>
+              <a:t>Bragging Rights</a:t>
             </a:r>
           </a:p>
           <a:p>
@@ -5254,6 +5922,74 @@
             </a:endParaRPr>
           </a:p>
           <a:p>
+            <a:r>
+              <a:rPr lang="en-GB" dirty="0" smtClean="0">
+                <a:latin typeface="+mj-lt"/>
+              </a:rPr>
+              <a:t>Unlimited </a:t>
+            </a:r>
+            <a:r>
+              <a:rPr lang="en-GB" dirty="0">
+                <a:latin typeface="+mj-lt"/>
+              </a:rPr>
+              <a:t>supply of items</a:t>
+            </a:r>
+          </a:p>
+          <a:p>
+            <a:pPr lvl="1"/>
+            <a:r>
+              <a:rPr lang="en-GB" sz="2800" dirty="0">
+                <a:latin typeface="+mj-lt"/>
+              </a:rPr>
+              <a:t>Race to </a:t>
+            </a:r>
+            <a:r>
+              <a:rPr lang="en-GB" sz="2800" dirty="0" smtClean="0">
+                <a:latin typeface="+mj-lt"/>
+              </a:rPr>
+              <a:t>use the </a:t>
+            </a:r>
+            <a:r>
+              <a:rPr lang="en-GB" sz="2800" dirty="0">
+                <a:latin typeface="+mj-lt"/>
+              </a:rPr>
+              <a:t>item</a:t>
+            </a:r>
+          </a:p>
+          <a:p>
+            <a:pPr lvl="1"/>
+            <a:endParaRPr lang="en-GB" sz="2800" dirty="0">
+              <a:latin typeface="+mj-lt"/>
+            </a:endParaRPr>
+          </a:p>
+          <a:p>
+            <a:r>
+              <a:rPr lang="en-GB" dirty="0">
+                <a:latin typeface="+mj-lt"/>
+              </a:rPr>
+              <a:t>Conflict/ Rivalry</a:t>
+            </a:r>
+          </a:p>
+          <a:p>
+            <a:pPr lvl="1"/>
+            <a:r>
+              <a:rPr lang="en-GB" sz="2800" dirty="0">
+                <a:latin typeface="+mj-lt"/>
+              </a:rPr>
+              <a:t>Players can bump </a:t>
+            </a:r>
+            <a:r>
+              <a:rPr lang="en-GB" sz="2800" dirty="0" smtClean="0">
+                <a:latin typeface="+mj-lt"/>
+              </a:rPr>
+              <a:t>the obstacles</a:t>
+            </a:r>
+            <a:endParaRPr lang="en-GB" sz="2800" dirty="0">
+              <a:latin typeface="+mj-lt"/>
+            </a:endParaRPr>
+          </a:p>
+          <a:p>
+            <a:pPr lvl="1"/>
             <a:endParaRPr lang="en-GB" dirty="0"/>
           </a:p>
           <a:p>
@@ -5262,161 +5998,18 @@
           </a:p>
         </p:txBody>
       </p:sp>
-      <p:pic>
-        <p:nvPicPr>
-          <p:cNvPr id="3" name="Picture 2"/>
-          <p:cNvPicPr>
-            <a:picLocks noChangeAspect="1"/>
-          </p:cNvPicPr>
-          <p:nvPr/>
-        </p:nvPicPr>
-        <p:blipFill>
-          <a:blip r:embed="rId2" cstate="print">
-            <a:extLst>
-              <a:ext uri="{28A0092B-C50C-407E-A947-70E740481C1C}">
-                <a14:useLocalDpi xmlns:a14="http://schemas.microsoft.com/office/drawing/2010/main" val="0"/>
-              </a:ext>
-            </a:extLst>
-          </a:blip>
-          <a:stretch>
-            <a:fillRect/>
-          </a:stretch>
-        </p:blipFill>
-        <p:spPr>
-          <a:xfrm>
-            <a:off x="4439203" y="2468974"/>
-            <a:ext cx="4937348" cy="4937348"/>
-          </a:xfrm>
-          <a:prstGeom prst="rect">
-            <a:avLst/>
-          </a:prstGeom>
-        </p:spPr>
-      </p:pic>
-      <p:pic>
-        <p:nvPicPr>
-          <p:cNvPr id="6" name="Picture 5"/>
-          <p:cNvPicPr>
-            <a:picLocks noChangeAspect="1"/>
-          </p:cNvPicPr>
-          <p:nvPr/>
-        </p:nvPicPr>
-        <p:blipFill>
-          <a:blip r:embed="rId3" cstate="print">
-            <a:extLst>
-              <a:ext uri="{28A0092B-C50C-407E-A947-70E740481C1C}">
-                <a14:useLocalDpi xmlns:a14="http://schemas.microsoft.com/office/drawing/2010/main" val="0"/>
-              </a:ext>
-            </a:extLst>
-          </a:blip>
-          <a:stretch>
-            <a:fillRect/>
-          </a:stretch>
-        </p:blipFill>
-        <p:spPr>
-          <a:xfrm>
-            <a:off x="6470479" y="846138"/>
-            <a:ext cx="2737447" cy="2736344"/>
-          </a:xfrm>
-          <a:prstGeom prst="rect">
-            <a:avLst/>
-          </a:prstGeom>
-        </p:spPr>
-      </p:pic>
-      <p:pic>
-        <p:nvPicPr>
-          <p:cNvPr id="7" name="Picture 6"/>
-          <p:cNvPicPr>
-            <a:picLocks noChangeAspect="1"/>
-          </p:cNvPicPr>
-          <p:nvPr/>
-        </p:nvPicPr>
-        <p:blipFill>
-          <a:blip r:embed="rId4" cstate="print">
-            <a:extLst>
-              <a:ext uri="{28A0092B-C50C-407E-A947-70E740481C1C}">
-                <a14:useLocalDpi xmlns:a14="http://schemas.microsoft.com/office/drawing/2010/main" val="0"/>
-              </a:ext>
-            </a:extLst>
-          </a:blip>
-          <a:stretch>
-            <a:fillRect/>
-          </a:stretch>
-        </p:blipFill>
-        <p:spPr>
-          <a:xfrm>
-            <a:off x="2520" y="2438607"/>
-            <a:ext cx="3573016" cy="3573016"/>
-          </a:xfrm>
-          <a:prstGeom prst="rect">
-            <a:avLst/>
-          </a:prstGeom>
-        </p:spPr>
-      </p:pic>
-      <p:pic>
-        <p:nvPicPr>
-          <p:cNvPr id="8" name="Picture 7"/>
-          <p:cNvPicPr>
-            <a:picLocks noChangeAspect="1"/>
-          </p:cNvPicPr>
-          <p:nvPr/>
-        </p:nvPicPr>
-        <p:blipFill>
-          <a:blip r:embed="rId5" cstate="print">
-            <a:extLst>
-              <a:ext uri="{28A0092B-C50C-407E-A947-70E740481C1C}">
-                <a14:useLocalDpi xmlns:a14="http://schemas.microsoft.com/office/drawing/2010/main" val="0"/>
-              </a:ext>
-            </a:extLst>
-          </a:blip>
-          <a:stretch>
-            <a:fillRect/>
-          </a:stretch>
-        </p:blipFill>
-        <p:spPr>
-          <a:xfrm>
-            <a:off x="3460545" y="1772796"/>
-            <a:ext cx="2664296" cy="2664296"/>
-          </a:xfrm>
-          <a:prstGeom prst="rect">
-            <a:avLst/>
-          </a:prstGeom>
-        </p:spPr>
-      </p:pic>
-      <p:pic>
-        <p:nvPicPr>
-          <p:cNvPr id="4" name="Picture 3"/>
-          <p:cNvPicPr>
-            <a:picLocks noChangeAspect="1"/>
-          </p:cNvPicPr>
-          <p:nvPr/>
-        </p:nvPicPr>
-        <p:blipFill>
-          <a:blip r:embed="rId6" cstate="print">
-            <a:extLst>
-              <a:ext uri="{28A0092B-C50C-407E-A947-70E740481C1C}">
-                <a14:useLocalDpi xmlns:a14="http://schemas.microsoft.com/office/drawing/2010/main" val="0"/>
-              </a:ext>
-            </a:extLst>
-          </a:blip>
-          <a:stretch>
-            <a:fillRect/>
-          </a:stretch>
-        </p:blipFill>
-        <p:spPr>
-          <a:xfrm>
-            <a:off x="2219477" y="4239303"/>
-            <a:ext cx="2926123" cy="2924944"/>
-          </a:xfrm>
-          <a:prstGeom prst="rect">
-            <a:avLst/>
-          </a:prstGeom>
-        </p:spPr>
-      </p:pic>
     </p:spTree>
   </p:cSld>
   <p:clrMapOvr>
     <a:masterClrMapping/>
   </p:clrMapOvr>
+  <p:timing>
+    <p:tnLst>
+      <p:par>
+        <p:cTn id="1" dur="indefinite" restart="never" nodeType="tmRoot"/>
+      </p:par>
+    </p:tnLst>
+  </p:timing>
 </p:sld>
 </file>
 
